--- a/make_presentation/templates/templates/classic/_35.pptx
+++ b/make_presentation/templates/templates/classic/_35.pptx
@@ -326,7 +326,7 @@
             <a:pPr algn="r">
               <a:buNone/>
             </a:pPr>
-            <a:fld id="{A2B68B65-186C-405E-9B37-2AE4844D57D4}" type="slidenum">
+            <a:fld id="{2CEDC8E6-0DA3-417B-BADF-55986963ED03}" type="slidenum">
               <a:rPr b="0" lang="en-US" sz="1400" spc="-1" strike="noStrike">
                 <a:latin typeface="Times New Roman"/>
               </a:rPr>
@@ -374,7 +374,7 @@
         <p:spPr>
           <a:xfrm>
             <a:off x="380880" y="685800"/>
-            <a:ext cx="6091200" cy="3424320"/>
+            <a:ext cx="6090840" cy="3423960"/>
           </a:xfrm>
           <a:prstGeom prst="rect">
             <a:avLst/>
@@ -397,7 +397,7 @@
         <p:spPr>
           <a:xfrm>
             <a:off x="685800" y="4343400"/>
-            <a:ext cx="5481720" cy="4110120"/>
+            <a:ext cx="5481360" cy="4109760"/>
           </a:xfrm>
           <a:prstGeom prst="rect">
             <a:avLst/>
@@ -431,7 +431,7 @@
         <p:spPr>
           <a:xfrm>
             <a:off x="3884760" y="8685360"/>
-            <a:ext cx="2967120" cy="452520"/>
+            <a:ext cx="2966760" cy="452160"/>
           </a:xfrm>
           <a:prstGeom prst="rect">
             <a:avLst/>
@@ -467,7 +467,7 @@
               </a:lnSpc>
               <a:buNone/>
             </a:pPr>
-            <a:fld id="{0CB66542-5C58-4A49-82FE-4B6BEEFB033A}" type="slidenum">
+            <a:fld id="{90D1B8AF-542D-4E3C-87BE-12DAAB8422E8}" type="slidenum">
               <a:rPr b="0" lang="en-US" sz="1200" spc="-1" strike="noStrike">
                 <a:solidFill>
                   <a:srgbClr val="000000"/>
@@ -518,7 +518,7 @@
         <p:spPr>
           <a:xfrm>
             <a:off x="380880" y="685800"/>
-            <a:ext cx="6091200" cy="3424320"/>
+            <a:ext cx="6090840" cy="3423960"/>
           </a:xfrm>
           <a:prstGeom prst="rect">
             <a:avLst/>
@@ -541,7 +541,7 @@
         <p:spPr>
           <a:xfrm>
             <a:off x="685800" y="4343400"/>
-            <a:ext cx="5481720" cy="4110120"/>
+            <a:ext cx="5481360" cy="4109760"/>
           </a:xfrm>
           <a:prstGeom prst="rect">
             <a:avLst/>
@@ -575,7 +575,7 @@
         <p:spPr>
           <a:xfrm>
             <a:off x="3884760" y="8685360"/>
-            <a:ext cx="2967120" cy="452520"/>
+            <a:ext cx="2966760" cy="452160"/>
           </a:xfrm>
           <a:prstGeom prst="rect">
             <a:avLst/>
@@ -611,7 +611,7 @@
               </a:lnSpc>
               <a:buNone/>
             </a:pPr>
-            <a:fld id="{6FC638B6-B7B1-47CE-BCCE-6537369E4335}" type="slidenum">
+            <a:fld id="{6309AC13-9B2F-47FC-8C8F-EDF96D8523AA}" type="slidenum">
               <a:rPr b="0" lang="en-US" sz="1200" spc="-1" strike="noStrike">
                 <a:solidFill>
                   <a:srgbClr val="000000"/>
@@ -662,7 +662,7 @@
         <p:spPr>
           <a:xfrm>
             <a:off x="380880" y="685800"/>
-            <a:ext cx="6091200" cy="3424320"/>
+            <a:ext cx="6090840" cy="3423960"/>
           </a:xfrm>
           <a:prstGeom prst="rect">
             <a:avLst/>
@@ -685,7 +685,7 @@
         <p:spPr>
           <a:xfrm>
             <a:off x="685800" y="4343400"/>
-            <a:ext cx="5481720" cy="4110120"/>
+            <a:ext cx="5481360" cy="4109760"/>
           </a:xfrm>
           <a:prstGeom prst="rect">
             <a:avLst/>
@@ -719,7 +719,7 @@
         <p:spPr>
           <a:xfrm>
             <a:off x="3884760" y="8685360"/>
-            <a:ext cx="2967120" cy="452520"/>
+            <a:ext cx="2966760" cy="452160"/>
           </a:xfrm>
           <a:prstGeom prst="rect">
             <a:avLst/>
@@ -755,7 +755,7 @@
               </a:lnSpc>
               <a:buNone/>
             </a:pPr>
-            <a:fld id="{8AAD7EB3-68BE-4261-AD10-E26A76EAFE0A}" type="slidenum">
+            <a:fld id="{EF3B2EB3-1368-4A0D-AA44-DDCAFEFD8B3E}" type="slidenum">
               <a:rPr b="0" lang="en-US" sz="1200" spc="-1" strike="noStrike">
                 <a:solidFill>
                   <a:srgbClr val="000000"/>
@@ -806,7 +806,7 @@
         <p:spPr>
           <a:xfrm>
             <a:off x="380880" y="685800"/>
-            <a:ext cx="6091200" cy="3424320"/>
+            <a:ext cx="6090840" cy="3423960"/>
           </a:xfrm>
           <a:prstGeom prst="rect">
             <a:avLst/>
@@ -829,7 +829,7 @@
         <p:spPr>
           <a:xfrm>
             <a:off x="685800" y="4343400"/>
-            <a:ext cx="5481720" cy="4110120"/>
+            <a:ext cx="5481360" cy="4109760"/>
           </a:xfrm>
           <a:prstGeom prst="rect">
             <a:avLst/>
@@ -863,7 +863,7 @@
         <p:spPr>
           <a:xfrm>
             <a:off x="3884760" y="8685360"/>
-            <a:ext cx="2967120" cy="452520"/>
+            <a:ext cx="2966760" cy="452160"/>
           </a:xfrm>
           <a:prstGeom prst="rect">
             <a:avLst/>
@@ -899,7 +899,7 @@
               </a:lnSpc>
               <a:buNone/>
             </a:pPr>
-            <a:fld id="{84C77ED6-4C80-47DF-B942-9B90640042E7}" type="slidenum">
+            <a:fld id="{F6E4BA34-7C4E-4024-AB90-F7E09CA12474}" type="slidenum">
               <a:rPr b="0" lang="en-US" sz="1200" spc="-1" strike="noStrike">
                 <a:solidFill>
                   <a:srgbClr val="000000"/>
@@ -950,7 +950,7 @@
         <p:spPr>
           <a:xfrm>
             <a:off x="380880" y="685800"/>
-            <a:ext cx="6091200" cy="3424320"/>
+            <a:ext cx="6090840" cy="3423960"/>
           </a:xfrm>
           <a:prstGeom prst="rect">
             <a:avLst/>
@@ -973,7 +973,7 @@
         <p:spPr>
           <a:xfrm>
             <a:off x="685800" y="4343400"/>
-            <a:ext cx="5481720" cy="4110120"/>
+            <a:ext cx="5481360" cy="4109760"/>
           </a:xfrm>
           <a:prstGeom prst="rect">
             <a:avLst/>
@@ -1007,7 +1007,7 @@
         <p:spPr>
           <a:xfrm>
             <a:off x="3884760" y="8685360"/>
-            <a:ext cx="2967120" cy="452520"/>
+            <a:ext cx="2966760" cy="452160"/>
           </a:xfrm>
           <a:prstGeom prst="rect">
             <a:avLst/>
@@ -1043,7 +1043,7 @@
               </a:lnSpc>
               <a:buNone/>
             </a:pPr>
-            <a:fld id="{0BAC5474-54B4-48BB-9E0D-C47141C2D68E}" type="slidenum">
+            <a:fld id="{69AC4DF9-AB4D-47B8-8EBD-E2F6DDA1CB57}" type="slidenum">
               <a:rPr b="0" lang="en-US" sz="1200" spc="-1" strike="noStrike">
                 <a:solidFill>
                   <a:srgbClr val="000000"/>
@@ -1094,7 +1094,7 @@
         <p:spPr>
           <a:xfrm>
             <a:off x="380880" y="685800"/>
-            <a:ext cx="6091200" cy="3424320"/>
+            <a:ext cx="6090840" cy="3423960"/>
           </a:xfrm>
           <a:prstGeom prst="rect">
             <a:avLst/>
@@ -1117,7 +1117,7 @@
         <p:spPr>
           <a:xfrm>
             <a:off x="685800" y="4343400"/>
-            <a:ext cx="5481720" cy="4110120"/>
+            <a:ext cx="5481360" cy="4109760"/>
           </a:xfrm>
           <a:prstGeom prst="rect">
             <a:avLst/>
@@ -1151,7 +1151,7 @@
         <p:spPr>
           <a:xfrm>
             <a:off x="3884760" y="8685360"/>
-            <a:ext cx="2967120" cy="452520"/>
+            <a:ext cx="2966760" cy="452160"/>
           </a:xfrm>
           <a:prstGeom prst="rect">
             <a:avLst/>
@@ -1187,7 +1187,7 @@
               </a:lnSpc>
               <a:buNone/>
             </a:pPr>
-            <a:fld id="{25EE4622-39ED-4C93-A7AB-92A47F3A4B0D}" type="slidenum">
+            <a:fld id="{16E2F071-CAAD-4510-B20D-3B4DA381A222}" type="slidenum">
               <a:rPr b="0" lang="en-US" sz="1200" spc="-1" strike="noStrike">
                 <a:solidFill>
                   <a:srgbClr val="000000"/>
@@ -1238,7 +1238,7 @@
         <p:spPr>
           <a:xfrm>
             <a:off x="380880" y="685800"/>
-            <a:ext cx="6091200" cy="3424320"/>
+            <a:ext cx="6090840" cy="3423960"/>
           </a:xfrm>
           <a:prstGeom prst="rect">
             <a:avLst/>
@@ -1261,7 +1261,7 @@
         <p:spPr>
           <a:xfrm>
             <a:off x="685800" y="4343400"/>
-            <a:ext cx="5481720" cy="4110120"/>
+            <a:ext cx="5481360" cy="4109760"/>
           </a:xfrm>
           <a:prstGeom prst="rect">
             <a:avLst/>
@@ -1295,7 +1295,7 @@
         <p:spPr>
           <a:xfrm>
             <a:off x="3884760" y="8685360"/>
-            <a:ext cx="2967120" cy="452520"/>
+            <a:ext cx="2966760" cy="452160"/>
           </a:xfrm>
           <a:prstGeom prst="rect">
             <a:avLst/>
@@ -1331,7 +1331,7 @@
               </a:lnSpc>
               <a:buNone/>
             </a:pPr>
-            <a:fld id="{1AE21BA8-93B8-4A0D-A36B-CE8E5AF8A690}" type="slidenum">
+            <a:fld id="{DC4C5AA8-131D-4EC0-83F3-1B822844C3EA}" type="slidenum">
               <a:rPr b="0" lang="en-US" sz="1200" spc="-1" strike="noStrike">
                 <a:solidFill>
                   <a:srgbClr val="000000"/>
@@ -1382,7 +1382,7 @@
         <p:spPr>
           <a:xfrm>
             <a:off x="380880" y="685800"/>
-            <a:ext cx="6091200" cy="3424320"/>
+            <a:ext cx="6090840" cy="3423960"/>
           </a:xfrm>
           <a:prstGeom prst="rect">
             <a:avLst/>
@@ -1405,7 +1405,7 @@
         <p:spPr>
           <a:xfrm>
             <a:off x="685800" y="4343400"/>
-            <a:ext cx="5481720" cy="4110120"/>
+            <a:ext cx="5481360" cy="4109760"/>
           </a:xfrm>
           <a:prstGeom prst="rect">
             <a:avLst/>
@@ -1439,7 +1439,7 @@
         <p:spPr>
           <a:xfrm>
             <a:off x="3884760" y="8685360"/>
-            <a:ext cx="2967120" cy="452520"/>
+            <a:ext cx="2966760" cy="452160"/>
           </a:xfrm>
           <a:prstGeom prst="rect">
             <a:avLst/>
@@ -1475,7 +1475,7 @@
               </a:lnSpc>
               <a:buNone/>
             </a:pPr>
-            <a:fld id="{EE075D5F-3609-43F1-AE5E-861262447299}" type="slidenum">
+            <a:fld id="{7A3F14BF-7D01-4C21-9631-1557393F5E56}" type="slidenum">
               <a:rPr b="0" lang="en-US" sz="1200" spc="-1" strike="noStrike">
                 <a:solidFill>
                   <a:srgbClr val="000000"/>
@@ -1526,7 +1526,7 @@
         <p:spPr>
           <a:xfrm>
             <a:off x="380880" y="685800"/>
-            <a:ext cx="6091200" cy="3424320"/>
+            <a:ext cx="6090840" cy="3423960"/>
           </a:xfrm>
           <a:prstGeom prst="rect">
             <a:avLst/>
@@ -1549,7 +1549,7 @@
         <p:spPr>
           <a:xfrm>
             <a:off x="685800" y="4343400"/>
-            <a:ext cx="5481720" cy="4110120"/>
+            <a:ext cx="5481360" cy="4109760"/>
           </a:xfrm>
           <a:prstGeom prst="rect">
             <a:avLst/>
@@ -1583,7 +1583,7 @@
         <p:spPr>
           <a:xfrm>
             <a:off x="3884760" y="8685360"/>
-            <a:ext cx="2967120" cy="452520"/>
+            <a:ext cx="2966760" cy="452160"/>
           </a:xfrm>
           <a:prstGeom prst="rect">
             <a:avLst/>
@@ -1619,7 +1619,7 @@
               </a:lnSpc>
               <a:buNone/>
             </a:pPr>
-            <a:fld id="{25017C48-8168-436F-8AEE-C2C670725A92}" type="slidenum">
+            <a:fld id="{F2AF12AE-0D3C-4571-B9AB-E3441523B06F}" type="slidenum">
               <a:rPr b="0" lang="en-US" sz="1200" spc="-1" strike="noStrike">
                 <a:solidFill>
                   <a:srgbClr val="000000"/>
@@ -1670,7 +1670,7 @@
         <p:spPr>
           <a:xfrm>
             <a:off x="380880" y="685800"/>
-            <a:ext cx="6091200" cy="3424320"/>
+            <a:ext cx="6090840" cy="3423960"/>
           </a:xfrm>
           <a:prstGeom prst="rect">
             <a:avLst/>
@@ -1693,7 +1693,7 @@
         <p:spPr>
           <a:xfrm>
             <a:off x="685800" y="4343400"/>
-            <a:ext cx="5481720" cy="4110120"/>
+            <a:ext cx="5481360" cy="4109760"/>
           </a:xfrm>
           <a:prstGeom prst="rect">
             <a:avLst/>
@@ -1727,7 +1727,7 @@
         <p:spPr>
           <a:xfrm>
             <a:off x="3884760" y="8685360"/>
-            <a:ext cx="2967120" cy="452520"/>
+            <a:ext cx="2966760" cy="452160"/>
           </a:xfrm>
           <a:prstGeom prst="rect">
             <a:avLst/>
@@ -1763,7 +1763,7 @@
               </a:lnSpc>
               <a:buNone/>
             </a:pPr>
-            <a:fld id="{6CA9E3DB-5E0A-460D-BD9E-B2E9DFD24D4B}" type="slidenum">
+            <a:fld id="{07AF38A6-10D0-4EA1-8596-1833A7446AC0}" type="slidenum">
               <a:rPr b="0" lang="en-US" sz="1200" spc="-1" strike="noStrike">
                 <a:solidFill>
                   <a:srgbClr val="000000"/>
@@ -1814,7 +1814,7 @@
         <p:spPr>
           <a:xfrm>
             <a:off x="380880" y="685800"/>
-            <a:ext cx="6091200" cy="3424320"/>
+            <a:ext cx="6090840" cy="3423960"/>
           </a:xfrm>
           <a:prstGeom prst="rect">
             <a:avLst/>
@@ -1837,7 +1837,7 @@
         <p:spPr>
           <a:xfrm>
             <a:off x="685800" y="4343400"/>
-            <a:ext cx="5481720" cy="4110120"/>
+            <a:ext cx="5481360" cy="4109760"/>
           </a:xfrm>
           <a:prstGeom prst="rect">
             <a:avLst/>
@@ -1871,7 +1871,7 @@
         <p:spPr>
           <a:xfrm>
             <a:off x="3884760" y="8685360"/>
-            <a:ext cx="2967120" cy="452520"/>
+            <a:ext cx="2966760" cy="452160"/>
           </a:xfrm>
           <a:prstGeom prst="rect">
             <a:avLst/>
@@ -1907,7 +1907,7 @@
               </a:lnSpc>
               <a:buNone/>
             </a:pPr>
-            <a:fld id="{CCA111C3-F096-4964-A7E2-21A9EBC57CB0}" type="slidenum">
+            <a:fld id="{E31340AB-1950-4872-A900-17620122AEBB}" type="slidenum">
               <a:rPr b="0" lang="en-US" sz="1200" spc="-1" strike="noStrike">
                 <a:solidFill>
                   <a:srgbClr val="000000"/>
@@ -1958,7 +1958,7 @@
         <p:spPr>
           <a:xfrm>
             <a:off x="380880" y="685800"/>
-            <a:ext cx="6091200" cy="3424320"/>
+            <a:ext cx="6090840" cy="3423960"/>
           </a:xfrm>
           <a:prstGeom prst="rect">
             <a:avLst/>
@@ -1981,7 +1981,7 @@
         <p:spPr>
           <a:xfrm>
             <a:off x="685800" y="4343400"/>
-            <a:ext cx="5481720" cy="4110120"/>
+            <a:ext cx="5481360" cy="4109760"/>
           </a:xfrm>
           <a:prstGeom prst="rect">
             <a:avLst/>
@@ -2015,7 +2015,7 @@
         <p:spPr>
           <a:xfrm>
             <a:off x="3884760" y="8685360"/>
-            <a:ext cx="2967120" cy="452520"/>
+            <a:ext cx="2966760" cy="452160"/>
           </a:xfrm>
           <a:prstGeom prst="rect">
             <a:avLst/>
@@ -2051,7 +2051,7 @@
               </a:lnSpc>
               <a:buNone/>
             </a:pPr>
-            <a:fld id="{4ABA19D1-DC80-4EA5-8828-A42EFB509E2D}" type="slidenum">
+            <a:fld id="{93E7A8B7-788C-4F59-9B78-72647C6895FC}" type="slidenum">
               <a:rPr b="0" lang="en-US" sz="1200" spc="-1" strike="noStrike">
                 <a:solidFill>
                   <a:srgbClr val="000000"/>
@@ -2102,7 +2102,7 @@
         <p:spPr>
           <a:xfrm>
             <a:off x="380880" y="685800"/>
-            <a:ext cx="6091200" cy="3424320"/>
+            <a:ext cx="6090840" cy="3423960"/>
           </a:xfrm>
           <a:prstGeom prst="rect">
             <a:avLst/>
@@ -2125,7 +2125,7 @@
         <p:spPr>
           <a:xfrm>
             <a:off x="685800" y="4343400"/>
-            <a:ext cx="5481720" cy="4110120"/>
+            <a:ext cx="5481360" cy="4109760"/>
           </a:xfrm>
           <a:prstGeom prst="rect">
             <a:avLst/>
@@ -2159,7 +2159,7 @@
         <p:spPr>
           <a:xfrm>
             <a:off x="3884760" y="8685360"/>
-            <a:ext cx="2967120" cy="452520"/>
+            <a:ext cx="2966760" cy="452160"/>
           </a:xfrm>
           <a:prstGeom prst="rect">
             <a:avLst/>
@@ -2195,7 +2195,7 @@
               </a:lnSpc>
               <a:buNone/>
             </a:pPr>
-            <a:fld id="{8334CFD5-83D2-474A-8182-B865EBB967EB}" type="slidenum">
+            <a:fld id="{9D7A2744-9F69-4003-8BD7-3B87BEC0710D}" type="slidenum">
               <a:rPr b="0" lang="en-US" sz="1200" spc="-1" strike="noStrike">
                 <a:solidFill>
                   <a:srgbClr val="000000"/>
@@ -2246,7 +2246,7 @@
         <p:spPr>
           <a:xfrm>
             <a:off x="380880" y="685800"/>
-            <a:ext cx="6091200" cy="3424320"/>
+            <a:ext cx="6090840" cy="3423960"/>
           </a:xfrm>
           <a:prstGeom prst="rect">
             <a:avLst/>
@@ -2269,7 +2269,7 @@
         <p:spPr>
           <a:xfrm>
             <a:off x="685800" y="4343400"/>
-            <a:ext cx="5481720" cy="4110120"/>
+            <a:ext cx="5481360" cy="4109760"/>
           </a:xfrm>
           <a:prstGeom prst="rect">
             <a:avLst/>
@@ -2303,7 +2303,7 @@
         <p:spPr>
           <a:xfrm>
             <a:off x="3884760" y="8685360"/>
-            <a:ext cx="2967120" cy="452520"/>
+            <a:ext cx="2966760" cy="452160"/>
           </a:xfrm>
           <a:prstGeom prst="rect">
             <a:avLst/>
@@ -2339,7 +2339,7 @@
               </a:lnSpc>
               <a:buNone/>
             </a:pPr>
-            <a:fld id="{03D11AB4-A40D-47F1-91E0-8D1B372399AF}" type="slidenum">
+            <a:fld id="{56B2C000-F413-4F6E-A5DA-1FD19E3DBD9B}" type="slidenum">
               <a:rPr b="0" lang="en-US" sz="1200" spc="-1" strike="noStrike">
                 <a:solidFill>
                   <a:srgbClr val="000000"/>
@@ -2390,7 +2390,7 @@
         <p:spPr>
           <a:xfrm>
             <a:off x="380880" y="685800"/>
-            <a:ext cx="6091200" cy="3424320"/>
+            <a:ext cx="6090840" cy="3423960"/>
           </a:xfrm>
           <a:prstGeom prst="rect">
             <a:avLst/>
@@ -2413,7 +2413,7 @@
         <p:spPr>
           <a:xfrm>
             <a:off x="685800" y="4343400"/>
-            <a:ext cx="5481720" cy="4110120"/>
+            <a:ext cx="5481360" cy="4109760"/>
           </a:xfrm>
           <a:prstGeom prst="rect">
             <a:avLst/>
@@ -2447,7 +2447,7 @@
         <p:spPr>
           <a:xfrm>
             <a:off x="3884760" y="8685360"/>
-            <a:ext cx="2967120" cy="452520"/>
+            <a:ext cx="2966760" cy="452160"/>
           </a:xfrm>
           <a:prstGeom prst="rect">
             <a:avLst/>
@@ -2483,7 +2483,7 @@
               </a:lnSpc>
               <a:buNone/>
             </a:pPr>
-            <a:fld id="{A85F6C44-3A07-4C24-A5CE-F2AB6611D913}" type="slidenum">
+            <a:fld id="{FCF75787-9D41-4DB2-975B-8FD310F23998}" type="slidenum">
               <a:rPr b="0" lang="en-US" sz="1200" spc="-1" strike="noStrike">
                 <a:solidFill>
                   <a:srgbClr val="000000"/>
@@ -2534,7 +2534,7 @@
         <p:spPr>
           <a:xfrm>
             <a:off x="380880" y="685800"/>
-            <a:ext cx="6091200" cy="3424320"/>
+            <a:ext cx="6090840" cy="3423960"/>
           </a:xfrm>
           <a:prstGeom prst="rect">
             <a:avLst/>
@@ -2557,7 +2557,7 @@
         <p:spPr>
           <a:xfrm>
             <a:off x="685800" y="4343400"/>
-            <a:ext cx="5481720" cy="4110120"/>
+            <a:ext cx="5481360" cy="4109760"/>
           </a:xfrm>
           <a:prstGeom prst="rect">
             <a:avLst/>
@@ -2591,7 +2591,7 @@
         <p:spPr>
           <a:xfrm>
             <a:off x="3884760" y="8685360"/>
-            <a:ext cx="2967120" cy="452520"/>
+            <a:ext cx="2966760" cy="452160"/>
           </a:xfrm>
           <a:prstGeom prst="rect">
             <a:avLst/>
@@ -2627,7 +2627,7 @@
               </a:lnSpc>
               <a:buNone/>
             </a:pPr>
-            <a:fld id="{30A68BCF-3CF1-4334-918D-EF45DA15CF9C}" type="slidenum">
+            <a:fld id="{AFA5D439-1488-4A79-9211-5E8C923C5A47}" type="slidenum">
               <a:rPr b="0" lang="en-US" sz="1200" spc="-1" strike="noStrike">
                 <a:solidFill>
                   <a:srgbClr val="000000"/>
@@ -2678,7 +2678,7 @@
         <p:spPr>
           <a:xfrm>
             <a:off x="380880" y="685800"/>
-            <a:ext cx="6091200" cy="3424320"/>
+            <a:ext cx="6090840" cy="3423960"/>
           </a:xfrm>
           <a:prstGeom prst="rect">
             <a:avLst/>
@@ -2701,7 +2701,7 @@
         <p:spPr>
           <a:xfrm>
             <a:off x="685800" y="4343400"/>
-            <a:ext cx="5481720" cy="4110120"/>
+            <a:ext cx="5481360" cy="4109760"/>
           </a:xfrm>
           <a:prstGeom prst="rect">
             <a:avLst/>
@@ -2735,7 +2735,7 @@
         <p:spPr>
           <a:xfrm>
             <a:off x="3884760" y="8685360"/>
-            <a:ext cx="2967120" cy="452520"/>
+            <a:ext cx="2966760" cy="452160"/>
           </a:xfrm>
           <a:prstGeom prst="rect">
             <a:avLst/>
@@ -2771,7 +2771,7 @@
               </a:lnSpc>
               <a:buNone/>
             </a:pPr>
-            <a:fld id="{F709A930-E878-4692-893E-5A680564F7A1}" type="slidenum">
+            <a:fld id="{544A28B1-610C-48C1-9BDD-ADCC45152A8C}" type="slidenum">
               <a:rPr b="0" lang="en-US" sz="1200" spc="-1" strike="noStrike">
                 <a:solidFill>
                   <a:srgbClr val="000000"/>
@@ -2822,7 +2822,7 @@
         <p:spPr>
           <a:xfrm>
             <a:off x="380880" y="685800"/>
-            <a:ext cx="6091200" cy="3424320"/>
+            <a:ext cx="6090840" cy="3423960"/>
           </a:xfrm>
           <a:prstGeom prst="rect">
             <a:avLst/>
@@ -2845,7 +2845,7 @@
         <p:spPr>
           <a:xfrm>
             <a:off x="685800" y="4343400"/>
-            <a:ext cx="5481720" cy="4110120"/>
+            <a:ext cx="5481360" cy="4109760"/>
           </a:xfrm>
           <a:prstGeom prst="rect">
             <a:avLst/>
@@ -2879,7 +2879,7 @@
         <p:spPr>
           <a:xfrm>
             <a:off x="3884760" y="8685360"/>
-            <a:ext cx="2967120" cy="452520"/>
+            <a:ext cx="2966760" cy="452160"/>
           </a:xfrm>
           <a:prstGeom prst="rect">
             <a:avLst/>
@@ -2915,7 +2915,7 @@
               </a:lnSpc>
               <a:buNone/>
             </a:pPr>
-            <a:fld id="{F11D3523-3D03-4CDB-9A61-EA8B8229CBD7}" type="slidenum">
+            <a:fld id="{CFE07686-23E3-490F-94BF-650DB38B114D}" type="slidenum">
               <a:rPr b="0" lang="en-US" sz="1200" spc="-1" strike="noStrike">
                 <a:solidFill>
                   <a:srgbClr val="000000"/>
@@ -2966,7 +2966,7 @@
         <p:spPr>
           <a:xfrm>
             <a:off x="380880" y="685800"/>
-            <a:ext cx="6091200" cy="3424320"/>
+            <a:ext cx="6090840" cy="3423960"/>
           </a:xfrm>
           <a:prstGeom prst="rect">
             <a:avLst/>
@@ -2989,7 +2989,7 @@
         <p:spPr>
           <a:xfrm>
             <a:off x="685800" y="4343400"/>
-            <a:ext cx="5481720" cy="4110120"/>
+            <a:ext cx="5481360" cy="4109760"/>
           </a:xfrm>
           <a:prstGeom prst="rect">
             <a:avLst/>
@@ -3023,7 +3023,7 @@
         <p:spPr>
           <a:xfrm>
             <a:off x="3884760" y="8685360"/>
-            <a:ext cx="2967120" cy="452520"/>
+            <a:ext cx="2966760" cy="452160"/>
           </a:xfrm>
           <a:prstGeom prst="rect">
             <a:avLst/>
@@ -3059,7 +3059,7 @@
               </a:lnSpc>
               <a:buNone/>
             </a:pPr>
-            <a:fld id="{C95CF905-33CF-4D7D-B282-EDD7E583906D}" type="slidenum">
+            <a:fld id="{930C4BD6-58F2-40B2-A721-68DDD89E4AC3}" type="slidenum">
               <a:rPr b="0" lang="en-US" sz="1200" spc="-1" strike="noStrike">
                 <a:solidFill>
                   <a:srgbClr val="000000"/>
@@ -3110,7 +3110,7 @@
         <p:spPr>
           <a:xfrm>
             <a:off x="380880" y="685800"/>
-            <a:ext cx="6091200" cy="3424320"/>
+            <a:ext cx="6090840" cy="3423960"/>
           </a:xfrm>
           <a:prstGeom prst="rect">
             <a:avLst/>
@@ -3133,7 +3133,7 @@
         <p:spPr>
           <a:xfrm>
             <a:off x="685800" y="4343400"/>
-            <a:ext cx="5481720" cy="4110120"/>
+            <a:ext cx="5481360" cy="4109760"/>
           </a:xfrm>
           <a:prstGeom prst="rect">
             <a:avLst/>
@@ -3167,7 +3167,7 @@
         <p:spPr>
           <a:xfrm>
             <a:off x="3884760" y="8685360"/>
-            <a:ext cx="2967120" cy="452520"/>
+            <a:ext cx="2966760" cy="452160"/>
           </a:xfrm>
           <a:prstGeom prst="rect">
             <a:avLst/>
@@ -3203,7 +3203,7 @@
               </a:lnSpc>
               <a:buNone/>
             </a:pPr>
-            <a:fld id="{03042A7B-0E9B-4254-9A04-D9427870FFD8}" type="slidenum">
+            <a:fld id="{A37524FD-D2B3-4883-8EE3-42355DAA650F}" type="slidenum">
               <a:rPr b="0" lang="en-US" sz="1200" spc="-1" strike="noStrike">
                 <a:solidFill>
                   <a:srgbClr val="000000"/>
@@ -3254,7 +3254,7 @@
         <p:spPr>
           <a:xfrm>
             <a:off x="380880" y="685800"/>
-            <a:ext cx="6091200" cy="3424320"/>
+            <a:ext cx="6090840" cy="3423960"/>
           </a:xfrm>
           <a:prstGeom prst="rect">
             <a:avLst/>
@@ -3277,7 +3277,7 @@
         <p:spPr>
           <a:xfrm>
             <a:off x="685800" y="4343400"/>
-            <a:ext cx="5481720" cy="4110120"/>
+            <a:ext cx="5481360" cy="4109760"/>
           </a:xfrm>
           <a:prstGeom prst="rect">
             <a:avLst/>
@@ -3311,7 +3311,7 @@
         <p:spPr>
           <a:xfrm>
             <a:off x="3884760" y="8685360"/>
-            <a:ext cx="2967120" cy="452520"/>
+            <a:ext cx="2966760" cy="452160"/>
           </a:xfrm>
           <a:prstGeom prst="rect">
             <a:avLst/>
@@ -3347,7 +3347,7 @@
               </a:lnSpc>
               <a:buNone/>
             </a:pPr>
-            <a:fld id="{1C5EAB19-BC73-4311-9720-A152EE2FC7AA}" type="slidenum">
+            <a:fld id="{F7F3F972-410E-41C6-9922-9EF3412254B1}" type="slidenum">
               <a:rPr b="0" lang="en-US" sz="1200" spc="-1" strike="noStrike">
                 <a:solidFill>
                   <a:srgbClr val="000000"/>
@@ -3398,7 +3398,7 @@
         <p:spPr>
           <a:xfrm>
             <a:off x="380880" y="685800"/>
-            <a:ext cx="6091200" cy="3424320"/>
+            <a:ext cx="6090840" cy="3423960"/>
           </a:xfrm>
           <a:prstGeom prst="rect">
             <a:avLst/>
@@ -3421,7 +3421,7 @@
         <p:spPr>
           <a:xfrm>
             <a:off x="685800" y="4343400"/>
-            <a:ext cx="5481720" cy="4110120"/>
+            <a:ext cx="5481360" cy="4109760"/>
           </a:xfrm>
           <a:prstGeom prst="rect">
             <a:avLst/>
@@ -3455,7 +3455,7 @@
         <p:spPr>
           <a:xfrm>
             <a:off x="3884760" y="8685360"/>
-            <a:ext cx="2967120" cy="452520"/>
+            <a:ext cx="2966760" cy="452160"/>
           </a:xfrm>
           <a:prstGeom prst="rect">
             <a:avLst/>
@@ -3491,7 +3491,7 @@
               </a:lnSpc>
               <a:buNone/>
             </a:pPr>
-            <a:fld id="{03D216F3-D07F-470D-96BC-7E578C77CD45}" type="slidenum">
+            <a:fld id="{BB460F75-9DD5-445E-808A-DCE32466EF74}" type="slidenum">
               <a:rPr b="0" lang="en-US" sz="1200" spc="-1" strike="noStrike">
                 <a:solidFill>
                   <a:srgbClr val="000000"/>
@@ -3542,7 +3542,7 @@
         <p:spPr>
           <a:xfrm>
             <a:off x="380880" y="685800"/>
-            <a:ext cx="6091200" cy="3424320"/>
+            <a:ext cx="6090840" cy="3423960"/>
           </a:xfrm>
           <a:prstGeom prst="rect">
             <a:avLst/>
@@ -3565,7 +3565,7 @@
         <p:spPr>
           <a:xfrm>
             <a:off x="685800" y="4343400"/>
-            <a:ext cx="5481720" cy="4110120"/>
+            <a:ext cx="5481360" cy="4109760"/>
           </a:xfrm>
           <a:prstGeom prst="rect">
             <a:avLst/>
@@ -3599,7 +3599,7 @@
         <p:spPr>
           <a:xfrm>
             <a:off x="3884760" y="8685360"/>
-            <a:ext cx="2967120" cy="452520"/>
+            <a:ext cx="2966760" cy="452160"/>
           </a:xfrm>
           <a:prstGeom prst="rect">
             <a:avLst/>
@@ -3635,7 +3635,7 @@
               </a:lnSpc>
               <a:buNone/>
             </a:pPr>
-            <a:fld id="{199BFAAA-5CDD-4F1A-A585-B2746F2CC589}" type="slidenum">
+            <a:fld id="{4592146A-06EE-4DDB-9A8D-93F1C1674740}" type="slidenum">
               <a:rPr b="0" lang="en-US" sz="1200" spc="-1" strike="noStrike">
                 <a:solidFill>
                   <a:srgbClr val="000000"/>
@@ -3686,7 +3686,7 @@
         <p:spPr>
           <a:xfrm>
             <a:off x="380880" y="685800"/>
-            <a:ext cx="6091200" cy="3424320"/>
+            <a:ext cx="6090840" cy="3423960"/>
           </a:xfrm>
           <a:prstGeom prst="rect">
             <a:avLst/>
@@ -3709,7 +3709,7 @@
         <p:spPr>
           <a:xfrm>
             <a:off x="685800" y="4343400"/>
-            <a:ext cx="5481720" cy="4110120"/>
+            <a:ext cx="5481360" cy="4109760"/>
           </a:xfrm>
           <a:prstGeom prst="rect">
             <a:avLst/>
@@ -3743,7 +3743,7 @@
         <p:spPr>
           <a:xfrm>
             <a:off x="3884760" y="8685360"/>
-            <a:ext cx="2967120" cy="452520"/>
+            <a:ext cx="2966760" cy="452160"/>
           </a:xfrm>
           <a:prstGeom prst="rect">
             <a:avLst/>
@@ -3779,7 +3779,7 @@
               </a:lnSpc>
               <a:buNone/>
             </a:pPr>
-            <a:fld id="{864540B5-BEB1-4DDF-B0BB-6A7D369D514F}" type="slidenum">
+            <a:fld id="{18379B7E-43DB-43E6-813A-2F8EBAD5FAFA}" type="slidenum">
               <a:rPr b="0" lang="en-US" sz="1200" spc="-1" strike="noStrike">
                 <a:solidFill>
                   <a:srgbClr val="000000"/>
@@ -3830,7 +3830,7 @@
         <p:spPr>
           <a:xfrm>
             <a:off x="380880" y="685800"/>
-            <a:ext cx="6091200" cy="3424320"/>
+            <a:ext cx="6090840" cy="3423960"/>
           </a:xfrm>
           <a:prstGeom prst="rect">
             <a:avLst/>
@@ -3853,7 +3853,7 @@
         <p:spPr>
           <a:xfrm>
             <a:off x="685800" y="4343400"/>
-            <a:ext cx="5481720" cy="4110120"/>
+            <a:ext cx="5481360" cy="4109760"/>
           </a:xfrm>
           <a:prstGeom prst="rect">
             <a:avLst/>
@@ -3887,7 +3887,7 @@
         <p:spPr>
           <a:xfrm>
             <a:off x="3884760" y="8685360"/>
-            <a:ext cx="2967120" cy="452520"/>
+            <a:ext cx="2966760" cy="452160"/>
           </a:xfrm>
           <a:prstGeom prst="rect">
             <a:avLst/>
@@ -3923,7 +3923,7 @@
               </a:lnSpc>
               <a:buNone/>
             </a:pPr>
-            <a:fld id="{E1A8C38E-72B2-403F-BCD0-BDBF3C44050F}" type="slidenum">
+            <a:fld id="{ACF86273-F8BA-4FCC-AF51-984233054FA2}" type="slidenum">
               <a:rPr b="0" lang="en-US" sz="1200" spc="-1" strike="noStrike">
                 <a:solidFill>
                   <a:srgbClr val="000000"/>
@@ -3974,7 +3974,7 @@
         <p:spPr>
           <a:xfrm>
             <a:off x="380880" y="685800"/>
-            <a:ext cx="6091200" cy="3424320"/>
+            <a:ext cx="6090840" cy="3423960"/>
           </a:xfrm>
           <a:prstGeom prst="rect">
             <a:avLst/>
@@ -3997,7 +3997,7 @@
         <p:spPr>
           <a:xfrm>
             <a:off x="685800" y="4343400"/>
-            <a:ext cx="5481720" cy="4110120"/>
+            <a:ext cx="5481360" cy="4109760"/>
           </a:xfrm>
           <a:prstGeom prst="rect">
             <a:avLst/>
@@ -4031,7 +4031,7 @@
         <p:spPr>
           <a:xfrm>
             <a:off x="3884760" y="8685360"/>
-            <a:ext cx="2967120" cy="452520"/>
+            <a:ext cx="2966760" cy="452160"/>
           </a:xfrm>
           <a:prstGeom prst="rect">
             <a:avLst/>
@@ -4067,7 +4067,7 @@
               </a:lnSpc>
               <a:buNone/>
             </a:pPr>
-            <a:fld id="{818F6253-35C3-44D6-9D6C-1B040E2509A9}" type="slidenum">
+            <a:fld id="{30052F94-158F-4351-8FFD-72725247ABF2}" type="slidenum">
               <a:rPr b="0" lang="en-US" sz="1200" spc="-1" strike="noStrike">
                 <a:solidFill>
                   <a:srgbClr val="000000"/>
@@ -4118,7 +4118,7 @@
         <p:spPr>
           <a:xfrm>
             <a:off x="380880" y="685800"/>
-            <a:ext cx="6091200" cy="3424320"/>
+            <a:ext cx="6090840" cy="3423960"/>
           </a:xfrm>
           <a:prstGeom prst="rect">
             <a:avLst/>
@@ -4141,7 +4141,7 @@
         <p:spPr>
           <a:xfrm>
             <a:off x="685800" y="4343400"/>
-            <a:ext cx="5481720" cy="4110120"/>
+            <a:ext cx="5481360" cy="4109760"/>
           </a:xfrm>
           <a:prstGeom prst="rect">
             <a:avLst/>
@@ -4175,7 +4175,7 @@
         <p:spPr>
           <a:xfrm>
             <a:off x="3884760" y="8685360"/>
-            <a:ext cx="2967120" cy="452520"/>
+            <a:ext cx="2966760" cy="452160"/>
           </a:xfrm>
           <a:prstGeom prst="rect">
             <a:avLst/>
@@ -4211,7 +4211,7 @@
               </a:lnSpc>
               <a:buNone/>
             </a:pPr>
-            <a:fld id="{A2F1C24E-6966-4B38-A8F9-AB24A85653DE}" type="slidenum">
+            <a:fld id="{8F824A60-D972-48FC-BFBC-37CDF1F324FF}" type="slidenum">
               <a:rPr b="0" lang="en-US" sz="1200" spc="-1" strike="noStrike">
                 <a:solidFill>
                   <a:srgbClr val="000000"/>
@@ -4262,7 +4262,7 @@
         <p:spPr>
           <a:xfrm>
             <a:off x="380880" y="685800"/>
-            <a:ext cx="6091200" cy="3424320"/>
+            <a:ext cx="6090840" cy="3423960"/>
           </a:xfrm>
           <a:prstGeom prst="rect">
             <a:avLst/>
@@ -4285,7 +4285,7 @@
         <p:spPr>
           <a:xfrm>
             <a:off x="685800" y="4343400"/>
-            <a:ext cx="5481720" cy="4110120"/>
+            <a:ext cx="5481360" cy="4109760"/>
           </a:xfrm>
           <a:prstGeom prst="rect">
             <a:avLst/>
@@ -4319,7 +4319,7 @@
         <p:spPr>
           <a:xfrm>
             <a:off x="3884760" y="8685360"/>
-            <a:ext cx="2967120" cy="452520"/>
+            <a:ext cx="2966760" cy="452160"/>
           </a:xfrm>
           <a:prstGeom prst="rect">
             <a:avLst/>
@@ -4355,7 +4355,7 @@
               </a:lnSpc>
               <a:buNone/>
             </a:pPr>
-            <a:fld id="{8FC0AB9B-2D2D-4D5E-9EFB-639F0F4531CD}" type="slidenum">
+            <a:fld id="{AB5B7660-0C59-40E2-8067-00108B825FBB}" type="slidenum">
               <a:rPr b="0" lang="en-US" sz="1200" spc="-1" strike="noStrike">
                 <a:solidFill>
                   <a:srgbClr val="000000"/>
@@ -4406,7 +4406,7 @@
         <p:spPr>
           <a:xfrm>
             <a:off x="380880" y="685800"/>
-            <a:ext cx="6091200" cy="3424320"/>
+            <a:ext cx="6090840" cy="3423960"/>
           </a:xfrm>
           <a:prstGeom prst="rect">
             <a:avLst/>
@@ -4429,7 +4429,7 @@
         <p:spPr>
           <a:xfrm>
             <a:off x="685800" y="4343400"/>
-            <a:ext cx="5481720" cy="4110120"/>
+            <a:ext cx="5481360" cy="4109760"/>
           </a:xfrm>
           <a:prstGeom prst="rect">
             <a:avLst/>
@@ -4463,7 +4463,7 @@
         <p:spPr>
           <a:xfrm>
             <a:off x="3884760" y="8685360"/>
-            <a:ext cx="2967120" cy="452520"/>
+            <a:ext cx="2966760" cy="452160"/>
           </a:xfrm>
           <a:prstGeom prst="rect">
             <a:avLst/>
@@ -4499,7 +4499,7 @@
               </a:lnSpc>
               <a:buNone/>
             </a:pPr>
-            <a:fld id="{42D8D58E-C96F-46EF-9997-25BFF3D78596}" type="slidenum">
+            <a:fld id="{94D8D788-EF0B-410B-A50B-12D6A3E649C2}" type="slidenum">
               <a:rPr b="0" lang="en-US" sz="1200" spc="-1" strike="noStrike">
                 <a:solidFill>
                   <a:srgbClr val="000000"/>
@@ -4550,7 +4550,7 @@
         <p:spPr>
           <a:xfrm>
             <a:off x="380880" y="685800"/>
-            <a:ext cx="6091200" cy="3424320"/>
+            <a:ext cx="6090840" cy="3423960"/>
           </a:xfrm>
           <a:prstGeom prst="rect">
             <a:avLst/>
@@ -4573,7 +4573,7 @@
         <p:spPr>
           <a:xfrm>
             <a:off x="685800" y="4343400"/>
-            <a:ext cx="5481720" cy="4110120"/>
+            <a:ext cx="5481360" cy="4109760"/>
           </a:xfrm>
           <a:prstGeom prst="rect">
             <a:avLst/>
@@ -4607,7 +4607,7 @@
         <p:spPr>
           <a:xfrm>
             <a:off x="3884760" y="8685360"/>
-            <a:ext cx="2967120" cy="452520"/>
+            <a:ext cx="2966760" cy="452160"/>
           </a:xfrm>
           <a:prstGeom prst="rect">
             <a:avLst/>
@@ -4643,7 +4643,7 @@
               </a:lnSpc>
               <a:buNone/>
             </a:pPr>
-            <a:fld id="{3FC41D53-FCA6-4612-A9A7-5F2D31962E40}" type="slidenum">
+            <a:fld id="{87030B08-58CC-44CB-83DD-00EFA3D2AE5C}" type="slidenum">
               <a:rPr b="0" lang="en-US" sz="1200" spc="-1" strike="noStrike">
                 <a:solidFill>
                   <a:srgbClr val="000000"/>
@@ -4694,7 +4694,7 @@
         <p:spPr>
           <a:xfrm>
             <a:off x="380880" y="685800"/>
-            <a:ext cx="6091200" cy="3424320"/>
+            <a:ext cx="6090840" cy="3423960"/>
           </a:xfrm>
           <a:prstGeom prst="rect">
             <a:avLst/>
@@ -4717,7 +4717,7 @@
         <p:spPr>
           <a:xfrm>
             <a:off x="685800" y="4343400"/>
-            <a:ext cx="5481720" cy="4110120"/>
+            <a:ext cx="5481360" cy="4109760"/>
           </a:xfrm>
           <a:prstGeom prst="rect">
             <a:avLst/>
@@ -4751,7 +4751,7 @@
         <p:spPr>
           <a:xfrm>
             <a:off x="3884760" y="8685360"/>
-            <a:ext cx="2967120" cy="452520"/>
+            <a:ext cx="2966760" cy="452160"/>
           </a:xfrm>
           <a:prstGeom prst="rect">
             <a:avLst/>
@@ -4787,7 +4787,7 @@
               </a:lnSpc>
               <a:buNone/>
             </a:pPr>
-            <a:fld id="{00CEC6EC-35F0-4E0A-8C8A-25C7640F3F07}" type="slidenum">
+            <a:fld id="{816771FF-F655-4D0B-907B-FBED78EFDE09}" type="slidenum">
               <a:rPr b="0" lang="en-US" sz="1200" spc="-1" strike="noStrike">
                 <a:solidFill>
                   <a:srgbClr val="000000"/>
@@ -4838,7 +4838,7 @@
         <p:spPr>
           <a:xfrm>
             <a:off x="380880" y="685800"/>
-            <a:ext cx="6091200" cy="3424320"/>
+            <a:ext cx="6090840" cy="3423960"/>
           </a:xfrm>
           <a:prstGeom prst="rect">
             <a:avLst/>
@@ -4861,7 +4861,7 @@
         <p:spPr>
           <a:xfrm>
             <a:off x="685800" y="4343400"/>
-            <a:ext cx="5481720" cy="4110120"/>
+            <a:ext cx="5481360" cy="4109760"/>
           </a:xfrm>
           <a:prstGeom prst="rect">
             <a:avLst/>
@@ -4895,7 +4895,7 @@
         <p:spPr>
           <a:xfrm>
             <a:off x="3884760" y="8685360"/>
-            <a:ext cx="2967120" cy="452520"/>
+            <a:ext cx="2966760" cy="452160"/>
           </a:xfrm>
           <a:prstGeom prst="rect">
             <a:avLst/>
@@ -4931,7 +4931,7 @@
               </a:lnSpc>
               <a:buNone/>
             </a:pPr>
-            <a:fld id="{5709242A-E428-45C6-A730-0554110990B8}" type="slidenum">
+            <a:fld id="{C5EDC019-62BA-4F50-BB14-902B40B2BD80}" type="slidenum">
               <a:rPr b="0" lang="en-US" sz="1200" spc="-1" strike="noStrike">
                 <a:solidFill>
                   <a:srgbClr val="000000"/>
@@ -4982,7 +4982,7 @@
         <p:spPr>
           <a:xfrm>
             <a:off x="380880" y="685800"/>
-            <a:ext cx="6091200" cy="3424320"/>
+            <a:ext cx="6090840" cy="3423960"/>
           </a:xfrm>
           <a:prstGeom prst="rect">
             <a:avLst/>
@@ -5005,7 +5005,7 @@
         <p:spPr>
           <a:xfrm>
             <a:off x="685800" y="4343400"/>
-            <a:ext cx="5481720" cy="4110120"/>
+            <a:ext cx="5481360" cy="4109760"/>
           </a:xfrm>
           <a:prstGeom prst="rect">
             <a:avLst/>
@@ -5039,7 +5039,7 @@
         <p:spPr>
           <a:xfrm>
             <a:off x="3884760" y="8685360"/>
-            <a:ext cx="2967120" cy="452520"/>
+            <a:ext cx="2966760" cy="452160"/>
           </a:xfrm>
           <a:prstGeom prst="rect">
             <a:avLst/>
@@ -5075,7 +5075,7 @@
               </a:lnSpc>
               <a:buNone/>
             </a:pPr>
-            <a:fld id="{0ACD21E7-2E51-4411-A94A-1218789B638C}" type="slidenum">
+            <a:fld id="{18B6D02A-1725-4274-8ADD-E6FB4CE519AE}" type="slidenum">
               <a:rPr b="0" lang="en-US" sz="1200" spc="-1" strike="noStrike">
                 <a:solidFill>
                   <a:srgbClr val="000000"/>
@@ -5126,7 +5126,7 @@
         <p:spPr>
           <a:xfrm>
             <a:off x="380880" y="685800"/>
-            <a:ext cx="6091200" cy="3424320"/>
+            <a:ext cx="6090840" cy="3423960"/>
           </a:xfrm>
           <a:prstGeom prst="rect">
             <a:avLst/>
@@ -5149,7 +5149,7 @@
         <p:spPr>
           <a:xfrm>
             <a:off x="685800" y="4343400"/>
-            <a:ext cx="5481720" cy="4110120"/>
+            <a:ext cx="5481360" cy="4109760"/>
           </a:xfrm>
           <a:prstGeom prst="rect">
             <a:avLst/>
@@ -5183,7 +5183,7 @@
         <p:spPr>
           <a:xfrm>
             <a:off x="3884760" y="8685360"/>
-            <a:ext cx="2967120" cy="452520"/>
+            <a:ext cx="2966760" cy="452160"/>
           </a:xfrm>
           <a:prstGeom prst="rect">
             <a:avLst/>
@@ -5219,7 +5219,7 @@
               </a:lnSpc>
               <a:buNone/>
             </a:pPr>
-            <a:fld id="{0C2B76FE-A7B9-46EE-ACA7-3DF70BA3FECD}" type="slidenum">
+            <a:fld id="{4166B923-8A2E-4DFE-96CA-F6C7E5448F25}" type="slidenum">
               <a:rPr b="0" lang="en-US" sz="1200" spc="-1" strike="noStrike">
                 <a:solidFill>
                   <a:srgbClr val="000000"/>
@@ -5270,7 +5270,7 @@
         <p:spPr>
           <a:xfrm>
             <a:off x="380880" y="685800"/>
-            <a:ext cx="6091200" cy="3424320"/>
+            <a:ext cx="6090840" cy="3423960"/>
           </a:xfrm>
           <a:prstGeom prst="rect">
             <a:avLst/>
@@ -5293,7 +5293,7 @@
         <p:spPr>
           <a:xfrm>
             <a:off x="685800" y="4343400"/>
-            <a:ext cx="5481720" cy="4110120"/>
+            <a:ext cx="5481360" cy="4109760"/>
           </a:xfrm>
           <a:prstGeom prst="rect">
             <a:avLst/>
@@ -5327,7 +5327,7 @@
         <p:spPr>
           <a:xfrm>
             <a:off x="3884760" y="8685360"/>
-            <a:ext cx="2967120" cy="452520"/>
+            <a:ext cx="2966760" cy="452160"/>
           </a:xfrm>
           <a:prstGeom prst="rect">
             <a:avLst/>
@@ -5363,7 +5363,7 @@
               </a:lnSpc>
               <a:buNone/>
             </a:pPr>
-            <a:fld id="{435A527A-6EEC-4D66-A050-65F1D25A83A4}" type="slidenum">
+            <a:fld id="{F73CF8D4-0740-4B89-850C-4043443E2FB6}" type="slidenum">
               <a:rPr b="0" lang="en-US" sz="1200" spc="-1" strike="noStrike">
                 <a:solidFill>
                   <a:srgbClr val="000000"/>
@@ -5435,7 +5435,7 @@
         <p:txBody>
           <a:bodyPr/>
           <a:p>
-            <a:fld id="{1BEC4145-9B33-41D3-A4AA-6F9A08919493}" type="slidenum">
+            <a:fld id="{8FC8A3F1-6005-49E7-83F2-BBB7E6B7EE04}" type="slidenum">
               <a:t>&lt;#&gt;</a:t>
             </a:fld>
           </a:p>
@@ -5623,7 +5623,7 @@
         <p:txBody>
           <a:bodyPr/>
           <a:p>
-            <a:fld id="{B91A3796-6024-46DC-91A9-CC472A6EA0A6}" type="slidenum">
+            <a:fld id="{83E14111-3392-4350-A55C-11E241E39A57}" type="slidenum">
               <a:t>&lt;#&gt;</a:t>
             </a:fld>
           </a:p>
@@ -5879,7 +5879,7 @@
         <p:txBody>
           <a:bodyPr/>
           <a:p>
-            <a:fld id="{D8F8FB6D-D0E8-4622-9371-1014E22493AA}" type="slidenum">
+            <a:fld id="{4E9F9E08-08EF-47EF-A1AC-F99E81CFA743}" type="slidenum">
               <a:t>&lt;#&gt;</a:t>
             </a:fld>
           </a:p>
@@ -6203,7 +6203,7 @@
         <p:txBody>
           <a:bodyPr/>
           <a:p>
-            <a:fld id="{80ABA0A4-B93B-454B-8C24-97A771C52108}" type="slidenum">
+            <a:fld id="{ABFB6272-7675-459B-9006-07311E3780BA}" type="slidenum">
               <a:t>&lt;#&gt;</a:t>
             </a:fld>
           </a:p>
@@ -6360,7 +6360,7 @@
         <p:txBody>
           <a:bodyPr/>
           <a:p>
-            <a:fld id="{B930A25E-04F5-4DA4-970C-6AA455183A7D}" type="slidenum">
+            <a:fld id="{DE476AC0-B001-45B0-A327-9E3F02AAD639}" type="slidenum">
               <a:t>&lt;#&gt;</a:t>
             </a:fld>
           </a:p>
@@ -6514,7 +6514,7 @@
         <p:txBody>
           <a:bodyPr/>
           <a:p>
-            <a:fld id="{9FCBCB6C-2E70-4CF6-88D4-928F0E145BA8}" type="slidenum">
+            <a:fld id="{53277BF2-2C98-4E71-9715-342F12294D85}" type="slidenum">
               <a:t>&lt;#&gt;</a:t>
             </a:fld>
           </a:p>
@@ -6702,7 +6702,7 @@
         <p:txBody>
           <a:bodyPr/>
           <a:p>
-            <a:fld id="{A18AE912-5B0A-40C5-BCAB-BD324221D870}" type="slidenum">
+            <a:fld id="{9A007F46-D81B-433D-B44E-72B76EC50DEF}" type="slidenum">
               <a:t>&lt;#&gt;</a:t>
             </a:fld>
           </a:p>
@@ -6822,7 +6822,7 @@
         <p:txBody>
           <a:bodyPr/>
           <a:p>
-            <a:fld id="{4C376FD4-1623-4117-9D32-7A2D9C3CCD39}" type="slidenum">
+            <a:fld id="{D41FE2CB-0EED-4837-B5C4-0B7D72FF30A0}" type="slidenum">
               <a:t>&lt;#&gt;</a:t>
             </a:fld>
           </a:p>
@@ -6942,7 +6942,7 @@
         <p:txBody>
           <a:bodyPr/>
           <a:p>
-            <a:fld id="{4FAEB010-20E0-4A0D-8C00-357C928C00E4}" type="slidenum">
+            <a:fld id="{E0783B4E-DD95-4859-A576-A26DCC93336B}" type="slidenum">
               <a:t>&lt;#&gt;</a:t>
             </a:fld>
           </a:p>
@@ -7164,7 +7164,7 @@
         <p:txBody>
           <a:bodyPr/>
           <a:p>
-            <a:fld id="{78936B12-9DF1-4C98-84DC-042404DA8778}" type="slidenum">
+            <a:fld id="{D8269988-7827-471A-AE02-3E92795472E5}" type="slidenum">
               <a:t>&lt;#&gt;</a:t>
             </a:fld>
           </a:p>
@@ -7386,7 +7386,7 @@
         <p:txBody>
           <a:bodyPr/>
           <a:p>
-            <a:fld id="{FE650020-7DD3-4128-93F0-85A884EE2D04}" type="slidenum">
+            <a:fld id="{1B05F638-715A-461A-9834-9742C7F46E18}" type="slidenum">
               <a:t>&lt;#&gt;</a:t>
             </a:fld>
           </a:p>
@@ -7608,7 +7608,7 @@
         <p:txBody>
           <a:bodyPr/>
           <a:p>
-            <a:fld id="{E703D836-1DE0-4E41-B0F2-7BA5CAC9B5DD}" type="slidenum">
+            <a:fld id="{FC040A01-69B9-47B1-B845-CFF5181823EA}" type="slidenum">
               <a:t>&lt;#&gt;</a:t>
             </a:fld>
           </a:p>
@@ -7677,7 +7677,7 @@
         <p:spPr>
           <a:xfrm>
             <a:off x="3028680" y="4771440"/>
-            <a:ext cx="3081960" cy="270000"/>
+            <a:ext cx="3081600" cy="269640"/>
           </a:xfrm>
           <a:prstGeom prst="rect">
             <a:avLst/>
@@ -7721,7 +7721,7 @@
                 <a:latin typeface="Times New Roman"/>
                 <a:ea typeface="DejaVu Sans"/>
               </a:rPr>
-              <a:t> </a:t>
+              <a:t>&lt;footer&gt;</a:t>
             </a:r>
             <a:endParaRPr b="0" lang="en-US" sz="1400" spc="-1" strike="noStrike">
               <a:latin typeface="Times New Roman"/>
@@ -7742,7 +7742,7 @@
         <p:spPr>
           <a:xfrm>
             <a:off x="6457680" y="4771440"/>
-            <a:ext cx="2053440" cy="270000"/>
+            <a:ext cx="2053080" cy="269640"/>
           </a:xfrm>
           <a:prstGeom prst="rect">
             <a:avLst/>
@@ -7778,7 +7778,7 @@
               </a:lnSpc>
               <a:buNone/>
             </a:pPr>
-            <a:fld id="{A7937CDE-2704-4179-8C9D-33FB27E80932}" type="slidenum">
+            <a:fld id="{585739CD-08C0-43E6-9B45-8B6F70858A48}" type="slidenum">
               <a:rPr b="0" lang="en-US" sz="1200" spc="-1" strike="noStrike">
                 <a:solidFill>
                   <a:srgbClr val="8b8b8b"/>
@@ -7786,7 +7786,7 @@
                 <a:latin typeface="Calibri"/>
                 <a:ea typeface="DejaVu Sans"/>
               </a:rPr>
-              <a:t>34</a:t>
+              <a:t>&lt;number&gt;</a:t>
             </a:fld>
             <a:endParaRPr b="0" lang="en-US" sz="1200" spc="-1" strike="noStrike">
               <a:latin typeface="Times New Roman"/>
@@ -7807,7 +7807,7 @@
         <p:spPr>
           <a:xfrm>
             <a:off x="628200" y="4771440"/>
-            <a:ext cx="2053440" cy="270000"/>
+            <a:ext cx="2053080" cy="269640"/>
           </a:xfrm>
           <a:prstGeom prst="rect">
             <a:avLst/>
@@ -7833,7 +7833,7 @@
               <a:rPr b="0" lang="en-US" sz="1400" spc="-1" strike="noStrike">
                 <a:latin typeface="Times New Roman"/>
               </a:rPr>
-              <a:t> </a:t>
+              <a:t>&lt;date/time&gt;</a:t>
             </a:r>
             <a:endParaRPr b="0" lang="en-US" sz="1400" spc="-1" strike="noStrike">
               <a:latin typeface="Times New Roman"/>
@@ -8119,8 +8119,8 @@
         </p:nvSpPr>
         <p:spPr>
           <a:xfrm rot="2744400">
-            <a:off x="-280800" y="-25560"/>
-            <a:ext cx="704160" cy="703800"/>
+            <a:off x="-280080" y="-25560"/>
+            <a:ext cx="703800" cy="703440"/>
           </a:xfrm>
           <a:prstGeom prst="roundRect">
             <a:avLst>
@@ -8157,8 +8157,8 @@
         </p:nvSpPr>
         <p:spPr>
           <a:xfrm rot="2625600">
-            <a:off x="6024960" y="4332960"/>
-            <a:ext cx="468000" cy="468000"/>
+            <a:off x="6024960" y="4332600"/>
+            <a:ext cx="467640" cy="467640"/>
           </a:xfrm>
           <a:prstGeom prst="roundRect">
             <a:avLst>
@@ -8196,7 +8196,7 @@
         <p:spPr>
           <a:xfrm rot="18679200">
             <a:off x="7003440" y="948600"/>
-            <a:ext cx="4939560" cy="4665960"/>
+            <a:ext cx="4939200" cy="4665600"/>
           </a:xfrm>
           <a:prstGeom prst="roundRect">
             <a:avLst>
@@ -8234,7 +8234,7 @@
         <p:spPr>
           <a:xfrm>
             <a:off x="459720" y="4671360"/>
-            <a:ext cx="2995200" cy="266040"/>
+            <a:ext cx="2994840" cy="265680"/>
           </a:xfrm>
           <a:prstGeom prst="rect">
             <a:avLst/>
@@ -8299,8 +8299,8 @@
         </p:blipFill>
         <p:spPr>
           <a:xfrm>
-            <a:off x="2423160" y="4671720"/>
-            <a:ext cx="287640" cy="287640"/>
+            <a:off x="3035160" y="4743720"/>
+            <a:ext cx="287280" cy="287280"/>
           </a:xfrm>
           <a:prstGeom prst="rect">
             <a:avLst/>
@@ -8319,7 +8319,7 @@
         <p:spPr>
           <a:xfrm>
             <a:off x="484920" y="1681560"/>
-            <a:ext cx="5480640" cy="1882080"/>
+            <a:ext cx="5480280" cy="1881720"/>
           </a:xfrm>
           <a:prstGeom prst="rect">
             <a:avLst/>
@@ -8407,8 +8407,8 @@
         </p:nvSpPr>
         <p:spPr>
           <a:xfrm rot="2744400">
-            <a:off x="-280800" y="-25560"/>
-            <a:ext cx="704160" cy="703800"/>
+            <a:off x="-280080" y="-25560"/>
+            <a:ext cx="703800" cy="703440"/>
           </a:xfrm>
           <a:prstGeom prst="roundRect">
             <a:avLst>
@@ -8445,8 +8445,8 @@
         </p:nvSpPr>
         <p:spPr>
           <a:xfrm rot="2332200">
-            <a:off x="6009480" y="-319680"/>
-            <a:ext cx="4855320" cy="7726320"/>
+            <a:off x="6009120" y="-319680"/>
+            <a:ext cx="4854960" cy="7725960"/>
           </a:xfrm>
           <a:prstGeom prst="roundRect">
             <a:avLst>
@@ -8484,9 +8484,9 @@
         <p:grpSpPr>
           <a:xfrm>
             <a:off x="4571640" y="828000"/>
-            <a:ext cx="4467960" cy="3564000"/>
+            <a:ext cx="4467600" cy="3563640"/>
             <a:chOff x="4571640" y="828000"/>
-            <a:chExt cx="4467960" cy="3564000"/>
+            <a:chExt cx="4467600" cy="3563640"/>
           </a:xfrm>
         </p:grpSpPr>
         <p:pic>
@@ -8502,7 +8502,7 @@
           <p:spPr>
             <a:xfrm>
               <a:off x="4571640" y="828000"/>
-              <a:ext cx="4467960" cy="3564000"/>
+              <a:ext cx="4467600" cy="3563640"/>
             </a:xfrm>
             <a:prstGeom prst="rect">
               <a:avLst/>
@@ -8520,8 +8520,8 @@
           </p:nvSpPr>
           <p:spPr>
             <a:xfrm rot="16200000">
-              <a:off x="5962680" y="1159200"/>
-              <a:ext cx="1737000" cy="2770920"/>
+              <a:off x="5962680" y="1159560"/>
+              <a:ext cx="1736640" cy="2770560"/>
             </a:xfrm>
             <a:prstGeom prst="roundRect">
               <a:avLst>
@@ -8588,7 +8588,7 @@
         <p:spPr>
           <a:xfrm>
             <a:off x="5446080" y="1672200"/>
-            <a:ext cx="2770560" cy="1737000"/>
+            <a:ext cx="2770200" cy="1736640"/>
           </a:xfrm>
           <a:prstGeom prst="rect">
             <a:avLst/>
@@ -8640,7 +8640,7 @@
         <p:spPr>
           <a:xfrm>
             <a:off x="586440" y="1246680"/>
-            <a:ext cx="4003920" cy="3599640"/>
+            <a:ext cx="4003560" cy="3599280"/>
           </a:xfrm>
           <a:prstGeom prst="rect">
             <a:avLst/>
@@ -8692,7 +8692,7 @@
         <p:spPr>
           <a:xfrm>
             <a:off x="586440" y="453960"/>
-            <a:ext cx="4763880" cy="855000"/>
+            <a:ext cx="4763520" cy="854640"/>
           </a:xfrm>
           <a:prstGeom prst="rect">
             <a:avLst/>
@@ -8781,7 +8781,7 @@
         <p:spPr>
           <a:xfrm rot="2745600">
             <a:off x="8349840" y="-668160"/>
-            <a:ext cx="1497960" cy="1497960"/>
+            <a:ext cx="1497600" cy="1497600"/>
           </a:xfrm>
           <a:prstGeom prst="roundRect">
             <a:avLst>
@@ -8819,7 +8819,7 @@
         <p:spPr>
           <a:xfrm rot="2745600">
             <a:off x="7634160" y="-322200"/>
-            <a:ext cx="806760" cy="807120"/>
+            <a:ext cx="806400" cy="806760"/>
           </a:xfrm>
           <a:prstGeom prst="roundRect">
             <a:avLst>
@@ -8858,7 +8858,7 @@
         <p:spPr>
           <a:xfrm>
             <a:off x="586440" y="899640"/>
-            <a:ext cx="7931520" cy="1536840"/>
+            <a:ext cx="7931160" cy="1536480"/>
           </a:xfrm>
           <a:prstGeom prst="rect">
             <a:avLst/>
@@ -8910,7 +8910,7 @@
         <p:spPr>
           <a:xfrm>
             <a:off x="608040" y="2545560"/>
-            <a:ext cx="3711960" cy="2255400"/>
+            <a:ext cx="3711600" cy="2255040"/>
           </a:xfrm>
           <a:prstGeom prst="rect">
             <a:avLst/>
@@ -8962,7 +8962,7 @@
         <p:spPr>
           <a:xfrm>
             <a:off x="4806360" y="2545560"/>
-            <a:ext cx="3711960" cy="2255400"/>
+            <a:ext cx="3711600" cy="2255040"/>
           </a:xfrm>
           <a:prstGeom prst="rect">
             <a:avLst/>
@@ -9014,7 +9014,7 @@
         <p:spPr>
           <a:xfrm>
             <a:off x="583200" y="450720"/>
-            <a:ext cx="7197840" cy="511920"/>
+            <a:ext cx="7197480" cy="511560"/>
           </a:xfrm>
           <a:prstGeom prst="rect">
             <a:avLst/>
@@ -9096,7 +9096,7 @@
         <p:spPr>
           <a:xfrm>
             <a:off x="586440" y="1246680"/>
-            <a:ext cx="4003920" cy="3599640"/>
+            <a:ext cx="4003560" cy="3599280"/>
           </a:xfrm>
           <a:prstGeom prst="rect">
             <a:avLst/>
@@ -9148,7 +9148,7 @@
         <p:spPr>
           <a:xfrm>
             <a:off x="559800" y="446040"/>
-            <a:ext cx="4283280" cy="683280"/>
+            <a:ext cx="4282920" cy="682920"/>
           </a:xfrm>
           <a:prstGeom prst="rect">
             <a:avLst/>
@@ -9200,7 +9200,7 @@
         <p:spPr>
           <a:xfrm>
             <a:off x="5097600" y="360"/>
-            <a:ext cx="4379400" cy="5143680"/>
+            <a:ext cx="4379040" cy="5143320"/>
           </a:xfrm>
           <a:prstGeom prst="roundRect">
             <a:avLst>
@@ -9265,8 +9265,8 @@
         </p:nvSpPr>
         <p:spPr>
           <a:xfrm rot="2744400">
-            <a:off x="-280800" y="-25560"/>
-            <a:ext cx="704160" cy="703800"/>
+            <a:off x="-280080" y="-25560"/>
+            <a:ext cx="703800" cy="703440"/>
           </a:xfrm>
           <a:prstGeom prst="roundRect">
             <a:avLst>
@@ -9303,8 +9303,8 @@
         </p:nvSpPr>
         <p:spPr>
           <a:xfrm rot="2625600">
-            <a:off x="4861080" y="4146840"/>
-            <a:ext cx="468000" cy="468000"/>
+            <a:off x="4861080" y="4146480"/>
+            <a:ext cx="467640" cy="467640"/>
           </a:xfrm>
           <a:prstGeom prst="roundRect">
             <a:avLst>
@@ -9378,8 +9378,8 @@
         </p:nvSpPr>
         <p:spPr>
           <a:xfrm rot="2744400">
-            <a:off x="-349920" y="4539960"/>
-            <a:ext cx="704160" cy="703800"/>
+            <a:off x="-349200" y="4539600"/>
+            <a:ext cx="703800" cy="703440"/>
           </a:xfrm>
           <a:prstGeom prst="roundRect">
             <a:avLst>
@@ -9416,8 +9416,8 @@
         </p:nvSpPr>
         <p:spPr>
           <a:xfrm rot="19228200">
-            <a:off x="5846040" y="-2266200"/>
-            <a:ext cx="4854960" cy="7725960"/>
+            <a:off x="5845680" y="-2265840"/>
+            <a:ext cx="4854600" cy="7725600"/>
           </a:xfrm>
           <a:prstGeom prst="roundRect">
             <a:avLst>
@@ -9455,9 +9455,9 @@
         <p:grpSpPr>
           <a:xfrm>
             <a:off x="4571640" y="828000"/>
-            <a:ext cx="4467960" cy="3564000"/>
+            <a:ext cx="4467600" cy="3563640"/>
             <a:chOff x="4571640" y="828000"/>
-            <a:chExt cx="4467960" cy="3564000"/>
+            <a:chExt cx="4467600" cy="3563640"/>
           </a:xfrm>
         </p:grpSpPr>
         <p:pic>
@@ -9473,7 +9473,7 @@
           <p:spPr>
             <a:xfrm>
               <a:off x="4571640" y="828000"/>
-              <a:ext cx="4467960" cy="3564000"/>
+              <a:ext cx="4467600" cy="3563640"/>
             </a:xfrm>
             <a:prstGeom prst="rect">
               <a:avLst/>
@@ -9491,8 +9491,8 @@
           </p:nvSpPr>
           <p:spPr>
             <a:xfrm rot="16200000">
-              <a:off x="5962680" y="1159200"/>
-              <a:ext cx="1737000" cy="2770920"/>
+              <a:off x="5962680" y="1159560"/>
+              <a:ext cx="1736640" cy="2770560"/>
             </a:xfrm>
             <a:prstGeom prst="roundRect">
               <a:avLst>
@@ -9559,7 +9559,7 @@
         <p:spPr>
           <a:xfrm>
             <a:off x="586440" y="1246680"/>
-            <a:ext cx="4003920" cy="3599640"/>
+            <a:ext cx="4003560" cy="3599280"/>
           </a:xfrm>
           <a:prstGeom prst="rect">
             <a:avLst/>
@@ -9611,7 +9611,7 @@
         <p:spPr>
           <a:xfrm>
             <a:off x="5446080" y="1672200"/>
-            <a:ext cx="2779920" cy="1737000"/>
+            <a:ext cx="2779560" cy="1736640"/>
           </a:xfrm>
           <a:prstGeom prst="rect">
             <a:avLst/>
@@ -9663,7 +9663,7 @@
         <p:spPr>
           <a:xfrm>
             <a:off x="586440" y="453960"/>
-            <a:ext cx="3696480" cy="855000"/>
+            <a:ext cx="3696120" cy="854640"/>
           </a:xfrm>
           <a:prstGeom prst="rect">
             <a:avLst/>
@@ -9752,7 +9752,7 @@
         <p:spPr>
           <a:xfrm>
             <a:off x="4222080" y="1246680"/>
-            <a:ext cx="4114800" cy="3599640"/>
+            <a:ext cx="4114440" cy="3599280"/>
           </a:xfrm>
           <a:prstGeom prst="rect">
             <a:avLst/>
@@ -9803,8 +9803,8 @@
         </p:nvSpPr>
         <p:spPr>
           <a:xfrm rot="16200000">
-            <a:off x="-2181600" y="1733760"/>
-            <a:ext cx="5143680" cy="1683720"/>
+            <a:off x="-2181600" y="1734120"/>
+            <a:ext cx="5143320" cy="1683360"/>
           </a:xfrm>
           <a:prstGeom prst="roundRect">
             <a:avLst>
@@ -9842,7 +9842,7 @@
         <p:spPr>
           <a:xfrm rot="2745000">
             <a:off x="8575200" y="103320"/>
-            <a:ext cx="1132200" cy="1131840"/>
+            <a:ext cx="1131840" cy="1131480"/>
           </a:xfrm>
           <a:prstGeom prst="roundRect">
             <a:avLst>
@@ -9879,8 +9879,8 @@
         </p:nvSpPr>
         <p:spPr>
           <a:xfrm rot="16200000">
-            <a:off x="614880" y="919080"/>
-            <a:ext cx="3231720" cy="3313440"/>
+            <a:off x="614880" y="919440"/>
+            <a:ext cx="3231360" cy="3313080"/>
           </a:xfrm>
           <a:prstGeom prst="roundRect">
             <a:avLst>
@@ -9946,7 +9946,7 @@
         <p:spPr>
           <a:xfrm>
             <a:off x="4214160" y="456120"/>
-            <a:ext cx="4111560" cy="855000"/>
+            <a:ext cx="4111200" cy="854640"/>
           </a:xfrm>
           <a:prstGeom prst="rect">
             <a:avLst/>
@@ -10034,8 +10034,8 @@
         </p:nvSpPr>
         <p:spPr>
           <a:xfrm rot="2744400">
-            <a:off x="-280800" y="-25560"/>
-            <a:ext cx="704160" cy="703800"/>
+            <a:off x="-280080" y="-25560"/>
+            <a:ext cx="703800" cy="703440"/>
           </a:xfrm>
           <a:prstGeom prst="roundRect">
             <a:avLst>
@@ -10072,8 +10072,8 @@
         </p:nvSpPr>
         <p:spPr>
           <a:xfrm rot="2332200">
-            <a:off x="6009480" y="-319680"/>
-            <a:ext cx="4855320" cy="7726320"/>
+            <a:off x="6009120" y="-319680"/>
+            <a:ext cx="4854960" cy="7725960"/>
           </a:xfrm>
           <a:prstGeom prst="roundRect">
             <a:avLst>
@@ -10111,9 +10111,9 @@
         <p:grpSpPr>
           <a:xfrm>
             <a:off x="4571640" y="828000"/>
-            <a:ext cx="4467960" cy="3564000"/>
+            <a:ext cx="4467600" cy="3563640"/>
             <a:chOff x="4571640" y="828000"/>
-            <a:chExt cx="4467960" cy="3564000"/>
+            <a:chExt cx="4467600" cy="3563640"/>
           </a:xfrm>
         </p:grpSpPr>
         <p:pic>
@@ -10129,7 +10129,7 @@
           <p:spPr>
             <a:xfrm>
               <a:off x="4571640" y="828000"/>
-              <a:ext cx="4467960" cy="3564000"/>
+              <a:ext cx="4467600" cy="3563640"/>
             </a:xfrm>
             <a:prstGeom prst="rect">
               <a:avLst/>
@@ -10147,8 +10147,8 @@
           </p:nvSpPr>
           <p:spPr>
             <a:xfrm rot="16200000">
-              <a:off x="5962680" y="1159200"/>
-              <a:ext cx="1737000" cy="2770920"/>
+              <a:off x="5962680" y="1159560"/>
+              <a:ext cx="1736640" cy="2770560"/>
             </a:xfrm>
             <a:prstGeom prst="roundRect">
               <a:avLst>
@@ -10215,7 +10215,7 @@
         <p:spPr>
           <a:xfrm>
             <a:off x="5446080" y="1672200"/>
-            <a:ext cx="2770560" cy="1737000"/>
+            <a:ext cx="2770200" cy="1736640"/>
           </a:xfrm>
           <a:prstGeom prst="rect">
             <a:avLst/>
@@ -10267,7 +10267,7 @@
         <p:spPr>
           <a:xfrm>
             <a:off x="586440" y="1246680"/>
-            <a:ext cx="4003920" cy="3599640"/>
+            <a:ext cx="4003560" cy="3599280"/>
           </a:xfrm>
           <a:prstGeom prst="rect">
             <a:avLst/>
@@ -10319,7 +10319,7 @@
         <p:spPr>
           <a:xfrm>
             <a:off x="586440" y="453960"/>
-            <a:ext cx="4763880" cy="855000"/>
+            <a:ext cx="4763520" cy="854640"/>
           </a:xfrm>
           <a:prstGeom prst="rect">
             <a:avLst/>
@@ -10408,7 +10408,7 @@
         <p:spPr>
           <a:xfrm rot="2745600">
             <a:off x="8349840" y="-668160"/>
-            <a:ext cx="1497960" cy="1497960"/>
+            <a:ext cx="1497600" cy="1497600"/>
           </a:xfrm>
           <a:prstGeom prst="roundRect">
             <a:avLst>
@@ -10446,7 +10446,7 @@
         <p:spPr>
           <a:xfrm rot="2745600">
             <a:off x="7634160" y="-322200"/>
-            <a:ext cx="806760" cy="807120"/>
+            <a:ext cx="806400" cy="806760"/>
           </a:xfrm>
           <a:prstGeom prst="roundRect">
             <a:avLst>
@@ -10485,7 +10485,7 @@
         <p:spPr>
           <a:xfrm>
             <a:off x="586440" y="899640"/>
-            <a:ext cx="7931520" cy="1536840"/>
+            <a:ext cx="7931160" cy="1536480"/>
           </a:xfrm>
           <a:prstGeom prst="rect">
             <a:avLst/>
@@ -10537,7 +10537,7 @@
         <p:spPr>
           <a:xfrm>
             <a:off x="608040" y="2545560"/>
-            <a:ext cx="3711960" cy="2255400"/>
+            <a:ext cx="3711600" cy="2255040"/>
           </a:xfrm>
           <a:prstGeom prst="rect">
             <a:avLst/>
@@ -10589,7 +10589,7 @@
         <p:spPr>
           <a:xfrm>
             <a:off x="4806360" y="2545560"/>
-            <a:ext cx="3711960" cy="2255400"/>
+            <a:ext cx="3711600" cy="2255040"/>
           </a:xfrm>
           <a:prstGeom prst="rect">
             <a:avLst/>
@@ -10641,7 +10641,7 @@
         <p:spPr>
           <a:xfrm>
             <a:off x="583200" y="450720"/>
-            <a:ext cx="7197840" cy="511920"/>
+            <a:ext cx="7197480" cy="511560"/>
           </a:xfrm>
           <a:prstGeom prst="rect">
             <a:avLst/>
@@ -10723,7 +10723,7 @@
         <p:spPr>
           <a:xfrm>
             <a:off x="586440" y="1246680"/>
-            <a:ext cx="4003920" cy="3599640"/>
+            <a:ext cx="4003560" cy="3599280"/>
           </a:xfrm>
           <a:prstGeom prst="rect">
             <a:avLst/>
@@ -10775,7 +10775,7 @@
         <p:spPr>
           <a:xfrm>
             <a:off x="559800" y="446040"/>
-            <a:ext cx="4283280" cy="683280"/>
+            <a:ext cx="4282920" cy="682920"/>
           </a:xfrm>
           <a:prstGeom prst="rect">
             <a:avLst/>
@@ -10827,7 +10827,7 @@
         <p:spPr>
           <a:xfrm>
             <a:off x="5097600" y="360"/>
-            <a:ext cx="4379400" cy="5143680"/>
+            <a:ext cx="4379040" cy="5143320"/>
           </a:xfrm>
           <a:prstGeom prst="roundRect">
             <a:avLst>
@@ -10892,8 +10892,8 @@
         </p:nvSpPr>
         <p:spPr>
           <a:xfrm rot="2744400">
-            <a:off x="-280800" y="-25560"/>
-            <a:ext cx="704160" cy="703800"/>
+            <a:off x="-280080" y="-25560"/>
+            <a:ext cx="703800" cy="703440"/>
           </a:xfrm>
           <a:prstGeom prst="roundRect">
             <a:avLst>
@@ -10930,8 +10930,8 @@
         </p:nvSpPr>
         <p:spPr>
           <a:xfrm rot="2625600">
-            <a:off x="4861080" y="4146840"/>
-            <a:ext cx="468000" cy="468000"/>
+            <a:off x="4861080" y="4146480"/>
+            <a:ext cx="467640" cy="467640"/>
           </a:xfrm>
           <a:prstGeom prst="roundRect">
             <a:avLst>
@@ -11005,8 +11005,8 @@
         </p:nvSpPr>
         <p:spPr>
           <a:xfrm rot="2744400">
-            <a:off x="-349920" y="4539960"/>
-            <a:ext cx="704160" cy="703800"/>
+            <a:off x="-349200" y="4539600"/>
+            <a:ext cx="703800" cy="703440"/>
           </a:xfrm>
           <a:prstGeom prst="roundRect">
             <a:avLst>
@@ -11043,8 +11043,8 @@
         </p:nvSpPr>
         <p:spPr>
           <a:xfrm rot="19228200">
-            <a:off x="5846040" y="-2266200"/>
-            <a:ext cx="4854960" cy="7725960"/>
+            <a:off x="5845680" y="-2265840"/>
+            <a:ext cx="4854600" cy="7725600"/>
           </a:xfrm>
           <a:prstGeom prst="roundRect">
             <a:avLst>
@@ -11082,9 +11082,9 @@
         <p:grpSpPr>
           <a:xfrm>
             <a:off x="4571640" y="828000"/>
-            <a:ext cx="4467960" cy="3564000"/>
+            <a:ext cx="4467600" cy="3563640"/>
             <a:chOff x="4571640" y="828000"/>
-            <a:chExt cx="4467960" cy="3564000"/>
+            <a:chExt cx="4467600" cy="3563640"/>
           </a:xfrm>
         </p:grpSpPr>
         <p:pic>
@@ -11100,7 +11100,7 @@
           <p:spPr>
             <a:xfrm>
               <a:off x="4571640" y="828000"/>
-              <a:ext cx="4467960" cy="3564000"/>
+              <a:ext cx="4467600" cy="3563640"/>
             </a:xfrm>
             <a:prstGeom prst="rect">
               <a:avLst/>
@@ -11118,8 +11118,8 @@
           </p:nvSpPr>
           <p:spPr>
             <a:xfrm rot="16200000">
-              <a:off x="5962680" y="1159200"/>
-              <a:ext cx="1737000" cy="2770920"/>
+              <a:off x="5962680" y="1159560"/>
+              <a:ext cx="1736640" cy="2770560"/>
             </a:xfrm>
             <a:prstGeom prst="roundRect">
               <a:avLst>
@@ -11186,7 +11186,7 @@
         <p:spPr>
           <a:xfrm>
             <a:off x="586440" y="1246680"/>
-            <a:ext cx="4003920" cy="3599640"/>
+            <a:ext cx="4003560" cy="3599280"/>
           </a:xfrm>
           <a:prstGeom prst="rect">
             <a:avLst/>
@@ -11238,7 +11238,7 @@
         <p:spPr>
           <a:xfrm>
             <a:off x="5446080" y="1672200"/>
-            <a:ext cx="2779920" cy="1737000"/>
+            <a:ext cx="2779560" cy="1736640"/>
           </a:xfrm>
           <a:prstGeom prst="rect">
             <a:avLst/>
@@ -11290,7 +11290,7 @@
         <p:spPr>
           <a:xfrm>
             <a:off x="586440" y="453960"/>
-            <a:ext cx="3696480" cy="855000"/>
+            <a:ext cx="3696120" cy="854640"/>
           </a:xfrm>
           <a:prstGeom prst="rect">
             <a:avLst/>
@@ -11379,7 +11379,7 @@
         <p:spPr>
           <a:xfrm>
             <a:off x="4222080" y="1246680"/>
-            <a:ext cx="4114800" cy="3599640"/>
+            <a:ext cx="4114440" cy="3599280"/>
           </a:xfrm>
           <a:prstGeom prst="rect">
             <a:avLst/>
@@ -11430,8 +11430,8 @@
         </p:nvSpPr>
         <p:spPr>
           <a:xfrm rot="16200000">
-            <a:off x="-2181600" y="1733760"/>
-            <a:ext cx="5143680" cy="1683720"/>
+            <a:off x="-2181600" y="1734120"/>
+            <a:ext cx="5143320" cy="1683360"/>
           </a:xfrm>
           <a:prstGeom prst="roundRect">
             <a:avLst>
@@ -11469,7 +11469,7 @@
         <p:spPr>
           <a:xfrm rot="2745000">
             <a:off x="8575200" y="103320"/>
-            <a:ext cx="1132200" cy="1131840"/>
+            <a:ext cx="1131840" cy="1131480"/>
           </a:xfrm>
           <a:prstGeom prst="roundRect">
             <a:avLst>
@@ -11506,8 +11506,8 @@
         </p:nvSpPr>
         <p:spPr>
           <a:xfrm rot="16200000">
-            <a:off x="614880" y="919080"/>
-            <a:ext cx="3231720" cy="3313440"/>
+            <a:off x="614880" y="919440"/>
+            <a:ext cx="3231360" cy="3313080"/>
           </a:xfrm>
           <a:prstGeom prst="roundRect">
             <a:avLst>
@@ -11573,7 +11573,7 @@
         <p:spPr>
           <a:xfrm>
             <a:off x="4214160" y="456120"/>
-            <a:ext cx="4111560" cy="855000"/>
+            <a:ext cx="4111200" cy="854640"/>
           </a:xfrm>
           <a:prstGeom prst="rect">
             <a:avLst/>
@@ -11655,7 +11655,7 @@
         <p:spPr>
           <a:xfrm>
             <a:off x="586440" y="1246680"/>
-            <a:ext cx="4003920" cy="3599640"/>
+            <a:ext cx="4003560" cy="3599280"/>
           </a:xfrm>
           <a:prstGeom prst="rect">
             <a:avLst/>
@@ -11707,7 +11707,7 @@
         <p:spPr>
           <a:xfrm>
             <a:off x="559800" y="446040"/>
-            <a:ext cx="4283280" cy="683280"/>
+            <a:ext cx="4282920" cy="682920"/>
           </a:xfrm>
           <a:prstGeom prst="rect">
             <a:avLst/>
@@ -11759,7 +11759,7 @@
         <p:spPr>
           <a:xfrm>
             <a:off x="5097600" y="360"/>
-            <a:ext cx="4379400" cy="5143680"/>
+            <a:ext cx="4379040" cy="5143320"/>
           </a:xfrm>
           <a:prstGeom prst="roundRect">
             <a:avLst>
@@ -11824,8 +11824,8 @@
         </p:nvSpPr>
         <p:spPr>
           <a:xfrm rot="2744400">
-            <a:off x="-280800" y="-25560"/>
-            <a:ext cx="704160" cy="703800"/>
+            <a:off x="-280080" y="-25560"/>
+            <a:ext cx="703800" cy="703440"/>
           </a:xfrm>
           <a:prstGeom prst="roundRect">
             <a:avLst>
@@ -11862,8 +11862,8 @@
         </p:nvSpPr>
         <p:spPr>
           <a:xfrm rot="2625600">
-            <a:off x="4861080" y="4146840"/>
-            <a:ext cx="468000" cy="468000"/>
+            <a:off x="4861080" y="4146480"/>
+            <a:ext cx="467640" cy="467640"/>
           </a:xfrm>
           <a:prstGeom prst="roundRect">
             <a:avLst>
@@ -11937,8 +11937,8 @@
         </p:nvSpPr>
         <p:spPr>
           <a:xfrm rot="2744400">
-            <a:off x="-280800" y="-25560"/>
-            <a:ext cx="704160" cy="703800"/>
+            <a:off x="-280080" y="-25560"/>
+            <a:ext cx="703800" cy="703440"/>
           </a:xfrm>
           <a:prstGeom prst="roundRect">
             <a:avLst>
@@ -11975,8 +11975,8 @@
         </p:nvSpPr>
         <p:spPr>
           <a:xfrm rot="2332200">
-            <a:off x="6009480" y="-319680"/>
-            <a:ext cx="4855320" cy="7726320"/>
+            <a:off x="6009120" y="-319680"/>
+            <a:ext cx="4854960" cy="7725960"/>
           </a:xfrm>
           <a:prstGeom prst="roundRect">
             <a:avLst>
@@ -12014,9 +12014,9 @@
         <p:grpSpPr>
           <a:xfrm>
             <a:off x="4571640" y="828000"/>
-            <a:ext cx="4467960" cy="3564000"/>
+            <a:ext cx="4467600" cy="3563640"/>
             <a:chOff x="4571640" y="828000"/>
-            <a:chExt cx="4467960" cy="3564000"/>
+            <a:chExt cx="4467600" cy="3563640"/>
           </a:xfrm>
         </p:grpSpPr>
         <p:pic>
@@ -12032,7 +12032,7 @@
           <p:spPr>
             <a:xfrm>
               <a:off x="4571640" y="828000"/>
-              <a:ext cx="4467960" cy="3564000"/>
+              <a:ext cx="4467600" cy="3563640"/>
             </a:xfrm>
             <a:prstGeom prst="rect">
               <a:avLst/>
@@ -12050,8 +12050,8 @@
           </p:nvSpPr>
           <p:spPr>
             <a:xfrm rot="16200000">
-              <a:off x="5962680" y="1159200"/>
-              <a:ext cx="1737000" cy="2770920"/>
+              <a:off x="5962680" y="1159560"/>
+              <a:ext cx="1736640" cy="2770560"/>
             </a:xfrm>
             <a:prstGeom prst="roundRect">
               <a:avLst>
@@ -12118,7 +12118,7 @@
         <p:spPr>
           <a:xfrm>
             <a:off x="5446080" y="1672200"/>
-            <a:ext cx="2770560" cy="1737000"/>
+            <a:ext cx="2770200" cy="1736640"/>
           </a:xfrm>
           <a:prstGeom prst="rect">
             <a:avLst/>
@@ -12170,7 +12170,7 @@
         <p:spPr>
           <a:xfrm>
             <a:off x="586440" y="1246680"/>
-            <a:ext cx="4003920" cy="3599640"/>
+            <a:ext cx="4003560" cy="3599280"/>
           </a:xfrm>
           <a:prstGeom prst="rect">
             <a:avLst/>
@@ -12222,7 +12222,7 @@
         <p:spPr>
           <a:xfrm>
             <a:off x="586440" y="453960"/>
-            <a:ext cx="4763880" cy="855000"/>
+            <a:ext cx="4763520" cy="854640"/>
           </a:xfrm>
           <a:prstGeom prst="rect">
             <a:avLst/>
@@ -12311,7 +12311,7 @@
         <p:spPr>
           <a:xfrm rot="2745600">
             <a:off x="8349840" y="-668160"/>
-            <a:ext cx="1497960" cy="1497960"/>
+            <a:ext cx="1497600" cy="1497600"/>
           </a:xfrm>
           <a:prstGeom prst="roundRect">
             <a:avLst>
@@ -12349,7 +12349,7 @@
         <p:spPr>
           <a:xfrm rot="2745600">
             <a:off x="7634160" y="-322200"/>
-            <a:ext cx="806760" cy="807120"/>
+            <a:ext cx="806400" cy="806760"/>
           </a:xfrm>
           <a:prstGeom prst="roundRect">
             <a:avLst>
@@ -12388,7 +12388,7 @@
         <p:spPr>
           <a:xfrm>
             <a:off x="586440" y="899640"/>
-            <a:ext cx="7931520" cy="1536840"/>
+            <a:ext cx="7931160" cy="1536480"/>
           </a:xfrm>
           <a:prstGeom prst="rect">
             <a:avLst/>
@@ -12440,7 +12440,7 @@
         <p:spPr>
           <a:xfrm>
             <a:off x="608040" y="2545560"/>
-            <a:ext cx="3711960" cy="2255400"/>
+            <a:ext cx="3711600" cy="2255040"/>
           </a:xfrm>
           <a:prstGeom prst="rect">
             <a:avLst/>
@@ -12492,7 +12492,7 @@
         <p:spPr>
           <a:xfrm>
             <a:off x="4806360" y="2545560"/>
-            <a:ext cx="3711960" cy="2255400"/>
+            <a:ext cx="3711600" cy="2255040"/>
           </a:xfrm>
           <a:prstGeom prst="rect">
             <a:avLst/>
@@ -12544,7 +12544,7 @@
         <p:spPr>
           <a:xfrm>
             <a:off x="583200" y="450720"/>
-            <a:ext cx="7197840" cy="511920"/>
+            <a:ext cx="7197480" cy="511560"/>
           </a:xfrm>
           <a:prstGeom prst="rect">
             <a:avLst/>
@@ -12626,7 +12626,7 @@
         <p:spPr>
           <a:xfrm>
             <a:off x="586440" y="1246680"/>
-            <a:ext cx="4003920" cy="3599640"/>
+            <a:ext cx="4003560" cy="3599280"/>
           </a:xfrm>
           <a:prstGeom prst="rect">
             <a:avLst/>
@@ -12678,7 +12678,7 @@
         <p:spPr>
           <a:xfrm>
             <a:off x="559800" y="446040"/>
-            <a:ext cx="4283280" cy="683280"/>
+            <a:ext cx="4282920" cy="682920"/>
           </a:xfrm>
           <a:prstGeom prst="rect">
             <a:avLst/>
@@ -12730,7 +12730,7 @@
         <p:spPr>
           <a:xfrm>
             <a:off x="5097600" y="360"/>
-            <a:ext cx="4379400" cy="5143680"/>
+            <a:ext cx="4379040" cy="5143320"/>
           </a:xfrm>
           <a:prstGeom prst="roundRect">
             <a:avLst>
@@ -12795,8 +12795,8 @@
         </p:nvSpPr>
         <p:spPr>
           <a:xfrm rot="2744400">
-            <a:off x="-280800" y="-25560"/>
-            <a:ext cx="704160" cy="703800"/>
+            <a:off x="-280080" y="-25560"/>
+            <a:ext cx="703800" cy="703440"/>
           </a:xfrm>
           <a:prstGeom prst="roundRect">
             <a:avLst>
@@ -12833,8 +12833,8 @@
         </p:nvSpPr>
         <p:spPr>
           <a:xfrm rot="2625600">
-            <a:off x="4861080" y="4146840"/>
-            <a:ext cx="468000" cy="468000"/>
+            <a:off x="4861080" y="4146480"/>
+            <a:ext cx="467640" cy="467640"/>
           </a:xfrm>
           <a:prstGeom prst="roundRect">
             <a:avLst>
@@ -12908,8 +12908,8 @@
         </p:nvSpPr>
         <p:spPr>
           <a:xfrm rot="2744400">
-            <a:off x="-349920" y="4539960"/>
-            <a:ext cx="704160" cy="703800"/>
+            <a:off x="-349200" y="4539600"/>
+            <a:ext cx="703800" cy="703440"/>
           </a:xfrm>
           <a:prstGeom prst="roundRect">
             <a:avLst>
@@ -12946,8 +12946,8 @@
         </p:nvSpPr>
         <p:spPr>
           <a:xfrm rot="19228200">
-            <a:off x="5846040" y="-2266200"/>
-            <a:ext cx="4854960" cy="7725960"/>
+            <a:off x="5845680" y="-2265840"/>
+            <a:ext cx="4854600" cy="7725600"/>
           </a:xfrm>
           <a:prstGeom prst="roundRect">
             <a:avLst>
@@ -12985,9 +12985,9 @@
         <p:grpSpPr>
           <a:xfrm>
             <a:off x="4571640" y="828000"/>
-            <a:ext cx="4467960" cy="3564000"/>
+            <a:ext cx="4467600" cy="3563640"/>
             <a:chOff x="4571640" y="828000"/>
-            <a:chExt cx="4467960" cy="3564000"/>
+            <a:chExt cx="4467600" cy="3563640"/>
           </a:xfrm>
         </p:grpSpPr>
         <p:pic>
@@ -13003,7 +13003,7 @@
           <p:spPr>
             <a:xfrm>
               <a:off x="4571640" y="828000"/>
-              <a:ext cx="4467960" cy="3564000"/>
+              <a:ext cx="4467600" cy="3563640"/>
             </a:xfrm>
             <a:prstGeom prst="rect">
               <a:avLst/>
@@ -13021,8 +13021,8 @@
           </p:nvSpPr>
           <p:spPr>
             <a:xfrm rot="16200000">
-              <a:off x="5962680" y="1159200"/>
-              <a:ext cx="1737000" cy="2770920"/>
+              <a:off x="5962680" y="1159560"/>
+              <a:ext cx="1736640" cy="2770560"/>
             </a:xfrm>
             <a:prstGeom prst="roundRect">
               <a:avLst>
@@ -13089,7 +13089,7 @@
         <p:spPr>
           <a:xfrm>
             <a:off x="586440" y="1246680"/>
-            <a:ext cx="4003920" cy="3599640"/>
+            <a:ext cx="4003560" cy="3599280"/>
           </a:xfrm>
           <a:prstGeom prst="rect">
             <a:avLst/>
@@ -13141,7 +13141,7 @@
         <p:spPr>
           <a:xfrm>
             <a:off x="5446080" y="1672200"/>
-            <a:ext cx="2779920" cy="1737000"/>
+            <a:ext cx="2779560" cy="1736640"/>
           </a:xfrm>
           <a:prstGeom prst="rect">
             <a:avLst/>
@@ -13193,7 +13193,7 @@
         <p:spPr>
           <a:xfrm>
             <a:off x="586440" y="453960"/>
-            <a:ext cx="3696480" cy="855000"/>
+            <a:ext cx="3696120" cy="854640"/>
           </a:xfrm>
           <a:prstGeom prst="rect">
             <a:avLst/>
@@ -13282,7 +13282,7 @@
         <p:spPr>
           <a:xfrm>
             <a:off x="4222080" y="1246680"/>
-            <a:ext cx="4114800" cy="3599640"/>
+            <a:ext cx="4114440" cy="3599280"/>
           </a:xfrm>
           <a:prstGeom prst="rect">
             <a:avLst/>
@@ -13333,8 +13333,8 @@
         </p:nvSpPr>
         <p:spPr>
           <a:xfrm rot="16200000">
-            <a:off x="-2181600" y="1733760"/>
-            <a:ext cx="5143680" cy="1683720"/>
+            <a:off x="-2181600" y="1734120"/>
+            <a:ext cx="5143320" cy="1683360"/>
           </a:xfrm>
           <a:prstGeom prst="roundRect">
             <a:avLst>
@@ -13372,7 +13372,7 @@
         <p:spPr>
           <a:xfrm rot="2745000">
             <a:off x="8575200" y="103320"/>
-            <a:ext cx="1132200" cy="1131840"/>
+            <a:ext cx="1131840" cy="1131480"/>
           </a:xfrm>
           <a:prstGeom prst="roundRect">
             <a:avLst>
@@ -13409,8 +13409,8 @@
         </p:nvSpPr>
         <p:spPr>
           <a:xfrm rot="16200000">
-            <a:off x="614880" y="919080"/>
-            <a:ext cx="3231720" cy="3313440"/>
+            <a:off x="614880" y="919440"/>
+            <a:ext cx="3231360" cy="3313080"/>
           </a:xfrm>
           <a:prstGeom prst="roundRect">
             <a:avLst>
@@ -13476,7 +13476,7 @@
         <p:spPr>
           <a:xfrm>
             <a:off x="4214160" y="456120"/>
-            <a:ext cx="4111560" cy="855000"/>
+            <a:ext cx="4111200" cy="854640"/>
           </a:xfrm>
           <a:prstGeom prst="rect">
             <a:avLst/>
@@ -13564,8 +13564,8 @@
         </p:nvSpPr>
         <p:spPr>
           <a:xfrm rot="2744400">
-            <a:off x="-280800" y="-25560"/>
-            <a:ext cx="704160" cy="703800"/>
+            <a:off x="-280080" y="-25560"/>
+            <a:ext cx="703800" cy="703440"/>
           </a:xfrm>
           <a:prstGeom prst="roundRect">
             <a:avLst>
@@ -13602,8 +13602,8 @@
         </p:nvSpPr>
         <p:spPr>
           <a:xfrm rot="2332200">
-            <a:off x="6009480" y="-319680"/>
-            <a:ext cx="4855320" cy="7726320"/>
+            <a:off x="6009120" y="-319680"/>
+            <a:ext cx="4854960" cy="7725960"/>
           </a:xfrm>
           <a:prstGeom prst="roundRect">
             <a:avLst>
@@ -13641,9 +13641,9 @@
         <p:grpSpPr>
           <a:xfrm>
             <a:off x="4571640" y="828000"/>
-            <a:ext cx="4467960" cy="3564000"/>
+            <a:ext cx="4467600" cy="3563640"/>
             <a:chOff x="4571640" y="828000"/>
-            <a:chExt cx="4467960" cy="3564000"/>
+            <a:chExt cx="4467600" cy="3563640"/>
           </a:xfrm>
         </p:grpSpPr>
         <p:pic>
@@ -13659,7 +13659,7 @@
           <p:spPr>
             <a:xfrm>
               <a:off x="4571640" y="828000"/>
-              <a:ext cx="4467960" cy="3564000"/>
+              <a:ext cx="4467600" cy="3563640"/>
             </a:xfrm>
             <a:prstGeom prst="rect">
               <a:avLst/>
@@ -13677,8 +13677,8 @@
           </p:nvSpPr>
           <p:spPr>
             <a:xfrm rot="16200000">
-              <a:off x="5962680" y="1159200"/>
-              <a:ext cx="1737000" cy="2770920"/>
+              <a:off x="5962680" y="1159560"/>
+              <a:ext cx="1736640" cy="2770560"/>
             </a:xfrm>
             <a:prstGeom prst="roundRect">
               <a:avLst>
@@ -13745,7 +13745,7 @@
         <p:spPr>
           <a:xfrm>
             <a:off x="5446080" y="1672200"/>
-            <a:ext cx="2770560" cy="1737000"/>
+            <a:ext cx="2770200" cy="1736640"/>
           </a:xfrm>
           <a:prstGeom prst="rect">
             <a:avLst/>
@@ -13797,7 +13797,7 @@
         <p:spPr>
           <a:xfrm>
             <a:off x="586440" y="1246680"/>
-            <a:ext cx="4003920" cy="3599640"/>
+            <a:ext cx="4003560" cy="3599280"/>
           </a:xfrm>
           <a:prstGeom prst="rect">
             <a:avLst/>
@@ -13849,7 +13849,7 @@
         <p:spPr>
           <a:xfrm>
             <a:off x="586440" y="453960"/>
-            <a:ext cx="4763880" cy="855000"/>
+            <a:ext cx="4763520" cy="854640"/>
           </a:xfrm>
           <a:prstGeom prst="rect">
             <a:avLst/>
@@ -13938,7 +13938,7 @@
         <p:spPr>
           <a:xfrm rot="2745600">
             <a:off x="8349840" y="-668160"/>
-            <a:ext cx="1497960" cy="1497960"/>
+            <a:ext cx="1497600" cy="1497600"/>
           </a:xfrm>
           <a:prstGeom prst="roundRect">
             <a:avLst>
@@ -13976,7 +13976,7 @@
         <p:spPr>
           <a:xfrm rot="2745600">
             <a:off x="7634160" y="-322200"/>
-            <a:ext cx="806760" cy="807120"/>
+            <a:ext cx="806400" cy="806760"/>
           </a:xfrm>
           <a:prstGeom prst="roundRect">
             <a:avLst>
@@ -14015,7 +14015,7 @@
         <p:spPr>
           <a:xfrm>
             <a:off x="586440" y="899640"/>
-            <a:ext cx="7931520" cy="1536840"/>
+            <a:ext cx="7931160" cy="1536480"/>
           </a:xfrm>
           <a:prstGeom prst="rect">
             <a:avLst/>
@@ -14067,7 +14067,7 @@
         <p:spPr>
           <a:xfrm>
             <a:off x="608040" y="2545560"/>
-            <a:ext cx="3711960" cy="2255400"/>
+            <a:ext cx="3711600" cy="2255040"/>
           </a:xfrm>
           <a:prstGeom prst="rect">
             <a:avLst/>
@@ -14119,7 +14119,7 @@
         <p:spPr>
           <a:xfrm>
             <a:off x="4806360" y="2545560"/>
-            <a:ext cx="3711960" cy="2255400"/>
+            <a:ext cx="3711600" cy="2255040"/>
           </a:xfrm>
           <a:prstGeom prst="rect">
             <a:avLst/>
@@ -14171,7 +14171,7 @@
         <p:spPr>
           <a:xfrm>
             <a:off x="583200" y="450720"/>
-            <a:ext cx="7197840" cy="511920"/>
+            <a:ext cx="7197480" cy="511560"/>
           </a:xfrm>
           <a:prstGeom prst="rect">
             <a:avLst/>
@@ -14253,7 +14253,7 @@
         <p:spPr>
           <a:xfrm>
             <a:off x="586440" y="1246680"/>
-            <a:ext cx="4003920" cy="3599640"/>
+            <a:ext cx="4003560" cy="3599280"/>
           </a:xfrm>
           <a:prstGeom prst="rect">
             <a:avLst/>
@@ -14305,7 +14305,7 @@
         <p:spPr>
           <a:xfrm>
             <a:off x="559800" y="446040"/>
-            <a:ext cx="4283280" cy="683280"/>
+            <a:ext cx="4282920" cy="682920"/>
           </a:xfrm>
           <a:prstGeom prst="rect">
             <a:avLst/>
@@ -14357,7 +14357,7 @@
         <p:spPr>
           <a:xfrm>
             <a:off x="5097600" y="360"/>
-            <a:ext cx="4379400" cy="5143680"/>
+            <a:ext cx="4379040" cy="5143320"/>
           </a:xfrm>
           <a:prstGeom prst="roundRect">
             <a:avLst>
@@ -14422,8 +14422,8 @@
         </p:nvSpPr>
         <p:spPr>
           <a:xfrm rot="2744400">
-            <a:off x="-280800" y="-25560"/>
-            <a:ext cx="704160" cy="703800"/>
+            <a:off x="-280080" y="-25560"/>
+            <a:ext cx="703800" cy="703440"/>
           </a:xfrm>
           <a:prstGeom prst="roundRect">
             <a:avLst>
@@ -14460,8 +14460,8 @@
         </p:nvSpPr>
         <p:spPr>
           <a:xfrm rot="2625600">
-            <a:off x="4861080" y="4146840"/>
-            <a:ext cx="468000" cy="468000"/>
+            <a:off x="4861080" y="4146480"/>
+            <a:ext cx="467640" cy="467640"/>
           </a:xfrm>
           <a:prstGeom prst="roundRect">
             <a:avLst>
@@ -14535,8 +14535,8 @@
         </p:nvSpPr>
         <p:spPr>
           <a:xfrm rot="2744400">
-            <a:off x="-349920" y="4539960"/>
-            <a:ext cx="704160" cy="703800"/>
+            <a:off x="-349200" y="4539600"/>
+            <a:ext cx="703800" cy="703440"/>
           </a:xfrm>
           <a:prstGeom prst="roundRect">
             <a:avLst>
@@ -14573,8 +14573,8 @@
         </p:nvSpPr>
         <p:spPr>
           <a:xfrm rot="19228200">
-            <a:off x="5846040" y="-2266200"/>
-            <a:ext cx="4854960" cy="7725960"/>
+            <a:off x="5845680" y="-2265840"/>
+            <a:ext cx="4854600" cy="7725600"/>
           </a:xfrm>
           <a:prstGeom prst="roundRect">
             <a:avLst>
@@ -14612,9 +14612,9 @@
         <p:grpSpPr>
           <a:xfrm>
             <a:off x="4571640" y="828000"/>
-            <a:ext cx="4467960" cy="3564000"/>
+            <a:ext cx="4467600" cy="3563640"/>
             <a:chOff x="4571640" y="828000"/>
-            <a:chExt cx="4467960" cy="3564000"/>
+            <a:chExt cx="4467600" cy="3563640"/>
           </a:xfrm>
         </p:grpSpPr>
         <p:pic>
@@ -14630,7 +14630,7 @@
           <p:spPr>
             <a:xfrm>
               <a:off x="4571640" y="828000"/>
-              <a:ext cx="4467960" cy="3564000"/>
+              <a:ext cx="4467600" cy="3563640"/>
             </a:xfrm>
             <a:prstGeom prst="rect">
               <a:avLst/>
@@ -14648,8 +14648,8 @@
           </p:nvSpPr>
           <p:spPr>
             <a:xfrm rot="16200000">
-              <a:off x="5962680" y="1159200"/>
-              <a:ext cx="1737000" cy="2770920"/>
+              <a:off x="5962680" y="1159560"/>
+              <a:ext cx="1736640" cy="2770560"/>
             </a:xfrm>
             <a:prstGeom prst="roundRect">
               <a:avLst>
@@ -14716,7 +14716,7 @@
         <p:spPr>
           <a:xfrm>
             <a:off x="586440" y="1246680"/>
-            <a:ext cx="4003920" cy="3599640"/>
+            <a:ext cx="4003560" cy="3599280"/>
           </a:xfrm>
           <a:prstGeom prst="rect">
             <a:avLst/>
@@ -14768,7 +14768,7 @@
         <p:spPr>
           <a:xfrm>
             <a:off x="5446080" y="1672200"/>
-            <a:ext cx="2779920" cy="1737000"/>
+            <a:ext cx="2779560" cy="1736640"/>
           </a:xfrm>
           <a:prstGeom prst="rect">
             <a:avLst/>
@@ -14820,7 +14820,7 @@
         <p:spPr>
           <a:xfrm>
             <a:off x="586440" y="453960"/>
-            <a:ext cx="3696480" cy="855000"/>
+            <a:ext cx="3696120" cy="854640"/>
           </a:xfrm>
           <a:prstGeom prst="rect">
             <a:avLst/>
@@ -14909,7 +14909,7 @@
         <p:spPr>
           <a:xfrm>
             <a:off x="4222080" y="1246680"/>
-            <a:ext cx="4114800" cy="3599640"/>
+            <a:ext cx="4114440" cy="3599280"/>
           </a:xfrm>
           <a:prstGeom prst="rect">
             <a:avLst/>
@@ -14960,8 +14960,8 @@
         </p:nvSpPr>
         <p:spPr>
           <a:xfrm rot="16200000">
-            <a:off x="-2181600" y="1733760"/>
-            <a:ext cx="5143680" cy="1683720"/>
+            <a:off x="-2181600" y="1734120"/>
+            <a:ext cx="5143320" cy="1683360"/>
           </a:xfrm>
           <a:prstGeom prst="roundRect">
             <a:avLst>
@@ -14999,7 +14999,7 @@
         <p:spPr>
           <a:xfrm rot="2745000">
             <a:off x="8575200" y="103320"/>
-            <a:ext cx="1132200" cy="1131840"/>
+            <a:ext cx="1131840" cy="1131480"/>
           </a:xfrm>
           <a:prstGeom prst="roundRect">
             <a:avLst>
@@ -15036,8 +15036,8 @@
         </p:nvSpPr>
         <p:spPr>
           <a:xfrm rot="16200000">
-            <a:off x="614880" y="919080"/>
-            <a:ext cx="3231720" cy="3313440"/>
+            <a:off x="614880" y="919440"/>
+            <a:ext cx="3231360" cy="3313080"/>
           </a:xfrm>
           <a:prstGeom prst="roundRect">
             <a:avLst>
@@ -15103,7 +15103,7 @@
         <p:spPr>
           <a:xfrm>
             <a:off x="4214160" y="456120"/>
-            <a:ext cx="4111560" cy="855000"/>
+            <a:ext cx="4111200" cy="854640"/>
           </a:xfrm>
           <a:prstGeom prst="rect">
             <a:avLst/>
@@ -15191,8 +15191,8 @@
         </p:nvSpPr>
         <p:spPr>
           <a:xfrm rot="2744400">
-            <a:off x="-349920" y="4539960"/>
-            <a:ext cx="704160" cy="703800"/>
+            <a:off x="-349200" y="4539600"/>
+            <a:ext cx="703800" cy="703440"/>
           </a:xfrm>
           <a:prstGeom prst="roundRect">
             <a:avLst>
@@ -15229,8 +15229,8 @@
         </p:nvSpPr>
         <p:spPr>
           <a:xfrm rot="19228200">
-            <a:off x="5846040" y="-2266200"/>
-            <a:ext cx="4854960" cy="7725960"/>
+            <a:off x="5845680" y="-2265840"/>
+            <a:ext cx="4854600" cy="7725600"/>
           </a:xfrm>
           <a:prstGeom prst="roundRect">
             <a:avLst>
@@ -15268,9 +15268,9 @@
         <p:grpSpPr>
           <a:xfrm>
             <a:off x="4571640" y="828000"/>
-            <a:ext cx="4467960" cy="3564000"/>
+            <a:ext cx="4467600" cy="3563640"/>
             <a:chOff x="4571640" y="828000"/>
-            <a:chExt cx="4467960" cy="3564000"/>
+            <a:chExt cx="4467600" cy="3563640"/>
           </a:xfrm>
         </p:grpSpPr>
         <p:pic>
@@ -15286,7 +15286,7 @@
           <p:spPr>
             <a:xfrm>
               <a:off x="4571640" y="828000"/>
-              <a:ext cx="4467960" cy="3564000"/>
+              <a:ext cx="4467600" cy="3563640"/>
             </a:xfrm>
             <a:prstGeom prst="rect">
               <a:avLst/>
@@ -15304,8 +15304,8 @@
           </p:nvSpPr>
           <p:spPr>
             <a:xfrm rot="16200000">
-              <a:off x="5962680" y="1159200"/>
-              <a:ext cx="1737000" cy="2770920"/>
+              <a:off x="5962680" y="1159560"/>
+              <a:ext cx="1736640" cy="2770560"/>
             </a:xfrm>
             <a:prstGeom prst="roundRect">
               <a:avLst>
@@ -15372,7 +15372,7 @@
         <p:spPr>
           <a:xfrm>
             <a:off x="586440" y="1246680"/>
-            <a:ext cx="4003920" cy="3599640"/>
+            <a:ext cx="4003560" cy="3599280"/>
           </a:xfrm>
           <a:prstGeom prst="rect">
             <a:avLst/>
@@ -15424,7 +15424,7 @@
         <p:spPr>
           <a:xfrm>
             <a:off x="5446080" y="1672200"/>
-            <a:ext cx="2779920" cy="1737000"/>
+            <a:ext cx="2779560" cy="1736640"/>
           </a:xfrm>
           <a:prstGeom prst="rect">
             <a:avLst/>
@@ -15476,7 +15476,7 @@
         <p:spPr>
           <a:xfrm>
             <a:off x="586440" y="453960"/>
-            <a:ext cx="3696480" cy="855000"/>
+            <a:ext cx="3696120" cy="854640"/>
           </a:xfrm>
           <a:prstGeom prst="rect">
             <a:avLst/>
@@ -15564,8 +15564,8 @@
         </p:nvSpPr>
         <p:spPr>
           <a:xfrm rot="2744400">
-            <a:off x="-280800" y="-25560"/>
-            <a:ext cx="704160" cy="703800"/>
+            <a:off x="-280080" y="-25560"/>
+            <a:ext cx="703800" cy="703440"/>
           </a:xfrm>
           <a:prstGeom prst="roundRect">
             <a:avLst>
@@ -15602,8 +15602,8 @@
         </p:nvSpPr>
         <p:spPr>
           <a:xfrm rot="2332200">
-            <a:off x="6009480" y="-319680"/>
-            <a:ext cx="4855320" cy="7726320"/>
+            <a:off x="6009120" y="-319680"/>
+            <a:ext cx="4854960" cy="7725960"/>
           </a:xfrm>
           <a:prstGeom prst="roundRect">
             <a:avLst>
@@ -15641,9 +15641,9 @@
         <p:grpSpPr>
           <a:xfrm>
             <a:off x="4571640" y="828000"/>
-            <a:ext cx="4467960" cy="3564000"/>
+            <a:ext cx="4467600" cy="3563640"/>
             <a:chOff x="4571640" y="828000"/>
-            <a:chExt cx="4467960" cy="3564000"/>
+            <a:chExt cx="4467600" cy="3563640"/>
           </a:xfrm>
         </p:grpSpPr>
         <p:pic>
@@ -15659,7 +15659,7 @@
           <p:spPr>
             <a:xfrm>
               <a:off x="4571640" y="828000"/>
-              <a:ext cx="4467960" cy="3564000"/>
+              <a:ext cx="4467600" cy="3563640"/>
             </a:xfrm>
             <a:prstGeom prst="rect">
               <a:avLst/>
@@ -15677,8 +15677,8 @@
           </p:nvSpPr>
           <p:spPr>
             <a:xfrm rot="16200000">
-              <a:off x="5962680" y="1159200"/>
-              <a:ext cx="1737000" cy="2770920"/>
+              <a:off x="5962680" y="1159560"/>
+              <a:ext cx="1736640" cy="2770560"/>
             </a:xfrm>
             <a:prstGeom prst="roundRect">
               <a:avLst>
@@ -15745,7 +15745,7 @@
         <p:spPr>
           <a:xfrm>
             <a:off x="5446080" y="1672200"/>
-            <a:ext cx="2770560" cy="1737000"/>
+            <a:ext cx="2770200" cy="1736640"/>
           </a:xfrm>
           <a:prstGeom prst="rect">
             <a:avLst/>
@@ -15797,7 +15797,7 @@
         <p:spPr>
           <a:xfrm>
             <a:off x="586440" y="1246680"/>
-            <a:ext cx="4003920" cy="3599640"/>
+            <a:ext cx="4003560" cy="3599280"/>
           </a:xfrm>
           <a:prstGeom prst="rect">
             <a:avLst/>
@@ -15849,7 +15849,7 @@
         <p:spPr>
           <a:xfrm>
             <a:off x="586440" y="453960"/>
-            <a:ext cx="4763880" cy="855000"/>
+            <a:ext cx="4763520" cy="854640"/>
           </a:xfrm>
           <a:prstGeom prst="rect">
             <a:avLst/>
@@ -15938,7 +15938,7 @@
         <p:spPr>
           <a:xfrm rot="2745600">
             <a:off x="8349840" y="-668160"/>
-            <a:ext cx="1497960" cy="1497960"/>
+            <a:ext cx="1497600" cy="1497600"/>
           </a:xfrm>
           <a:prstGeom prst="roundRect">
             <a:avLst>
@@ -15976,7 +15976,7 @@
         <p:spPr>
           <a:xfrm rot="2745600">
             <a:off x="7634160" y="-322200"/>
-            <a:ext cx="806760" cy="807120"/>
+            <a:ext cx="806400" cy="806760"/>
           </a:xfrm>
           <a:prstGeom prst="roundRect">
             <a:avLst>
@@ -16015,7 +16015,7 @@
         <p:spPr>
           <a:xfrm>
             <a:off x="586440" y="899640"/>
-            <a:ext cx="7931520" cy="1536840"/>
+            <a:ext cx="7931160" cy="1536480"/>
           </a:xfrm>
           <a:prstGeom prst="rect">
             <a:avLst/>
@@ -16067,7 +16067,7 @@
         <p:spPr>
           <a:xfrm>
             <a:off x="608040" y="2545560"/>
-            <a:ext cx="3711960" cy="2255400"/>
+            <a:ext cx="3711600" cy="2255040"/>
           </a:xfrm>
           <a:prstGeom prst="rect">
             <a:avLst/>
@@ -16119,7 +16119,7 @@
         <p:spPr>
           <a:xfrm>
             <a:off x="4806360" y="2545560"/>
-            <a:ext cx="3711960" cy="2255400"/>
+            <a:ext cx="3711600" cy="2255040"/>
           </a:xfrm>
           <a:prstGeom prst="rect">
             <a:avLst/>
@@ -16171,7 +16171,7 @@
         <p:spPr>
           <a:xfrm>
             <a:off x="583200" y="450720"/>
-            <a:ext cx="7197840" cy="511920"/>
+            <a:ext cx="7197480" cy="511560"/>
           </a:xfrm>
           <a:prstGeom prst="rect">
             <a:avLst/>
@@ -16253,7 +16253,7 @@
         <p:spPr>
           <a:xfrm>
             <a:off x="586440" y="1246680"/>
-            <a:ext cx="4003920" cy="3599640"/>
+            <a:ext cx="4003560" cy="3599280"/>
           </a:xfrm>
           <a:prstGeom prst="rect">
             <a:avLst/>
@@ -16305,7 +16305,7 @@
         <p:spPr>
           <a:xfrm>
             <a:off x="559800" y="446040"/>
-            <a:ext cx="4283280" cy="683280"/>
+            <a:ext cx="4282920" cy="682920"/>
           </a:xfrm>
           <a:prstGeom prst="rect">
             <a:avLst/>
@@ -16357,7 +16357,7 @@
         <p:spPr>
           <a:xfrm>
             <a:off x="5097600" y="360"/>
-            <a:ext cx="4379400" cy="5143680"/>
+            <a:ext cx="4379040" cy="5143320"/>
           </a:xfrm>
           <a:prstGeom prst="roundRect">
             <a:avLst>
@@ -16422,8 +16422,8 @@
         </p:nvSpPr>
         <p:spPr>
           <a:xfrm rot="2744400">
-            <a:off x="-280800" y="-25560"/>
-            <a:ext cx="704160" cy="703800"/>
+            <a:off x="-280080" y="-25560"/>
+            <a:ext cx="703800" cy="703440"/>
           </a:xfrm>
           <a:prstGeom prst="roundRect">
             <a:avLst>
@@ -16460,8 +16460,8 @@
         </p:nvSpPr>
         <p:spPr>
           <a:xfrm rot="2625600">
-            <a:off x="4861080" y="4146840"/>
-            <a:ext cx="468000" cy="468000"/>
+            <a:off x="4861080" y="4146480"/>
+            <a:ext cx="467640" cy="467640"/>
           </a:xfrm>
           <a:prstGeom prst="roundRect">
             <a:avLst>
@@ -16535,8 +16535,8 @@
         </p:nvSpPr>
         <p:spPr>
           <a:xfrm rot="2744400">
-            <a:off x="-349920" y="4539960"/>
-            <a:ext cx="704160" cy="703800"/>
+            <a:off x="-349200" y="4539600"/>
+            <a:ext cx="703800" cy="703440"/>
           </a:xfrm>
           <a:prstGeom prst="roundRect">
             <a:avLst>
@@ -16573,8 +16573,8 @@
         </p:nvSpPr>
         <p:spPr>
           <a:xfrm rot="19228200">
-            <a:off x="5846040" y="-2266200"/>
-            <a:ext cx="4854960" cy="7725960"/>
+            <a:off x="5845680" y="-2265840"/>
+            <a:ext cx="4854600" cy="7725600"/>
           </a:xfrm>
           <a:prstGeom prst="roundRect">
             <a:avLst>
@@ -16612,9 +16612,9 @@
         <p:grpSpPr>
           <a:xfrm>
             <a:off x="4571640" y="828000"/>
-            <a:ext cx="4467960" cy="3564000"/>
+            <a:ext cx="4467600" cy="3563640"/>
             <a:chOff x="4571640" y="828000"/>
-            <a:chExt cx="4467960" cy="3564000"/>
+            <a:chExt cx="4467600" cy="3563640"/>
           </a:xfrm>
         </p:grpSpPr>
         <p:pic>
@@ -16630,7 +16630,7 @@
           <p:spPr>
             <a:xfrm>
               <a:off x="4571640" y="828000"/>
-              <a:ext cx="4467960" cy="3564000"/>
+              <a:ext cx="4467600" cy="3563640"/>
             </a:xfrm>
             <a:prstGeom prst="rect">
               <a:avLst/>
@@ -16648,8 +16648,8 @@
           </p:nvSpPr>
           <p:spPr>
             <a:xfrm rot="16200000">
-              <a:off x="5962680" y="1159200"/>
-              <a:ext cx="1737000" cy="2770920"/>
+              <a:off x="5962680" y="1159560"/>
+              <a:ext cx="1736640" cy="2770560"/>
             </a:xfrm>
             <a:prstGeom prst="roundRect">
               <a:avLst>
@@ -16716,7 +16716,7 @@
         <p:spPr>
           <a:xfrm>
             <a:off x="586440" y="1246680"/>
-            <a:ext cx="4003920" cy="3599640"/>
+            <a:ext cx="4003560" cy="3599280"/>
           </a:xfrm>
           <a:prstGeom prst="rect">
             <a:avLst/>
@@ -16768,7 +16768,7 @@
         <p:spPr>
           <a:xfrm>
             <a:off x="5446080" y="1672200"/>
-            <a:ext cx="2779920" cy="1737000"/>
+            <a:ext cx="2779560" cy="1736640"/>
           </a:xfrm>
           <a:prstGeom prst="rect">
             <a:avLst/>
@@ -16820,7 +16820,7 @@
         <p:spPr>
           <a:xfrm>
             <a:off x="586440" y="453960"/>
-            <a:ext cx="3696480" cy="855000"/>
+            <a:ext cx="3696120" cy="854640"/>
           </a:xfrm>
           <a:prstGeom prst="rect">
             <a:avLst/>
@@ -16909,7 +16909,7 @@
         <p:spPr>
           <a:xfrm>
             <a:off x="4222080" y="1246680"/>
-            <a:ext cx="4114800" cy="3599640"/>
+            <a:ext cx="4114440" cy="3599280"/>
           </a:xfrm>
           <a:prstGeom prst="rect">
             <a:avLst/>
@@ -16960,8 +16960,8 @@
         </p:nvSpPr>
         <p:spPr>
           <a:xfrm rot="16200000">
-            <a:off x="-2181600" y="1733760"/>
-            <a:ext cx="5143680" cy="1683720"/>
+            <a:off x="-2181600" y="1734120"/>
+            <a:ext cx="5143320" cy="1683360"/>
           </a:xfrm>
           <a:prstGeom prst="roundRect">
             <a:avLst>
@@ -16999,7 +16999,7 @@
         <p:spPr>
           <a:xfrm rot="2745000">
             <a:off x="8575200" y="103320"/>
-            <a:ext cx="1132200" cy="1131840"/>
+            <a:ext cx="1131840" cy="1131480"/>
           </a:xfrm>
           <a:prstGeom prst="roundRect">
             <a:avLst>
@@ -17036,8 +17036,8 @@
         </p:nvSpPr>
         <p:spPr>
           <a:xfrm rot="16200000">
-            <a:off x="614880" y="919080"/>
-            <a:ext cx="3231720" cy="3313440"/>
+            <a:off x="614880" y="919440"/>
+            <a:ext cx="3231360" cy="3313080"/>
           </a:xfrm>
           <a:prstGeom prst="roundRect">
             <a:avLst>
@@ -17103,7 +17103,7 @@
         <p:spPr>
           <a:xfrm>
             <a:off x="4214160" y="456120"/>
-            <a:ext cx="4111560" cy="855000"/>
+            <a:ext cx="4111200" cy="854640"/>
           </a:xfrm>
           <a:prstGeom prst="rect">
             <a:avLst/>
@@ -17191,8 +17191,8 @@
         </p:nvSpPr>
         <p:spPr>
           <a:xfrm rot="2744400">
-            <a:off x="-280800" y="-25560"/>
-            <a:ext cx="704160" cy="703800"/>
+            <a:off x="-280080" y="-25560"/>
+            <a:ext cx="703800" cy="703440"/>
           </a:xfrm>
           <a:prstGeom prst="roundRect">
             <a:avLst>
@@ -17230,7 +17230,7 @@
         <p:spPr>
           <a:xfrm>
             <a:off x="569160" y="1888920"/>
-            <a:ext cx="4820760" cy="820800"/>
+            <a:ext cx="4820400" cy="820800"/>
           </a:xfrm>
           <a:prstGeom prst="rect">
             <a:avLst/>
@@ -17281,8 +17281,8 @@
         </p:nvSpPr>
         <p:spPr>
           <a:xfrm rot="18679800">
-            <a:off x="6782040" y="457560"/>
-            <a:ext cx="6250320" cy="4665960"/>
+            <a:off x="6782040" y="457920"/>
+            <a:ext cx="6249960" cy="4665600"/>
           </a:xfrm>
           <a:prstGeom prst="roundRect">
             <a:avLst>
@@ -17319,8 +17319,8 @@
         </p:nvSpPr>
         <p:spPr>
           <a:xfrm rot="2625600">
-            <a:off x="6024960" y="4332960"/>
-            <a:ext cx="468000" cy="468000"/>
+            <a:off x="6024960" y="4332600"/>
+            <a:ext cx="467640" cy="467640"/>
           </a:xfrm>
           <a:prstGeom prst="roundRect">
             <a:avLst>
@@ -17358,7 +17358,7 @@
         <p:spPr>
           <a:xfrm>
             <a:off x="1640880" y="4592880"/>
-            <a:ext cx="2995200" cy="266040"/>
+            <a:ext cx="2994840" cy="265680"/>
           </a:xfrm>
           <a:prstGeom prst="rect">
             <a:avLst/>
@@ -17420,7 +17420,7 @@
         <p:spPr>
           <a:xfrm>
             <a:off x="867240" y="3590280"/>
-            <a:ext cx="253080" cy="253440"/>
+            <a:ext cx="252720" cy="253080"/>
           </a:xfrm>
           <a:prstGeom prst="ellipse">
             <a:avLst/>
@@ -17455,7 +17455,7 @@
         <p:spPr>
           <a:xfrm>
             <a:off x="351000" y="3793320"/>
-            <a:ext cx="1285560" cy="1131120"/>
+            <a:ext cx="1285200" cy="1130760"/>
           </a:xfrm>
           <a:prstGeom prst="rect">
             <a:avLst/>
@@ -17511,7 +17511,7 @@
         <p:spPr>
           <a:xfrm>
             <a:off x="4222080" y="1246680"/>
-            <a:ext cx="4114800" cy="3599640"/>
+            <a:ext cx="4114440" cy="3599280"/>
           </a:xfrm>
           <a:prstGeom prst="rect">
             <a:avLst/>
@@ -17562,8 +17562,8 @@
         </p:nvSpPr>
         <p:spPr>
           <a:xfrm rot="16200000">
-            <a:off x="-2181600" y="1733760"/>
-            <a:ext cx="5143680" cy="1683720"/>
+            <a:off x="-2181600" y="1734120"/>
+            <a:ext cx="5143320" cy="1683360"/>
           </a:xfrm>
           <a:prstGeom prst="roundRect">
             <a:avLst>
@@ -17601,7 +17601,7 @@
         <p:spPr>
           <a:xfrm rot="2745000">
             <a:off x="8575200" y="103320"/>
-            <a:ext cx="1132200" cy="1131840"/>
+            <a:ext cx="1131840" cy="1131480"/>
           </a:xfrm>
           <a:prstGeom prst="roundRect">
             <a:avLst>
@@ -17638,8 +17638,8 @@
         </p:nvSpPr>
         <p:spPr>
           <a:xfrm rot="16200000">
-            <a:off x="614880" y="919080"/>
-            <a:ext cx="3231720" cy="3313440"/>
+            <a:off x="614880" y="919440"/>
+            <a:ext cx="3231360" cy="3313080"/>
           </a:xfrm>
           <a:prstGeom prst="roundRect">
             <a:avLst>
@@ -17705,7 +17705,7 @@
         <p:spPr>
           <a:xfrm>
             <a:off x="4214160" y="456120"/>
-            <a:ext cx="4111560" cy="855000"/>
+            <a:ext cx="4111200" cy="854640"/>
           </a:xfrm>
           <a:prstGeom prst="rect">
             <a:avLst/>
@@ -17793,8 +17793,8 @@
         </p:nvSpPr>
         <p:spPr>
           <a:xfrm rot="2744400">
-            <a:off x="-280800" y="-25560"/>
-            <a:ext cx="704160" cy="703800"/>
+            <a:off x="-280080" y="-25560"/>
+            <a:ext cx="703800" cy="703440"/>
           </a:xfrm>
           <a:prstGeom prst="roundRect">
             <a:avLst>
@@ -17831,8 +17831,8 @@
         </p:nvSpPr>
         <p:spPr>
           <a:xfrm rot="2332200">
-            <a:off x="6009480" y="-319680"/>
-            <a:ext cx="4855320" cy="7726320"/>
+            <a:off x="6009120" y="-319680"/>
+            <a:ext cx="4854960" cy="7725960"/>
           </a:xfrm>
           <a:prstGeom prst="roundRect">
             <a:avLst>
@@ -17870,9 +17870,9 @@
         <p:grpSpPr>
           <a:xfrm>
             <a:off x="4571640" y="828000"/>
-            <a:ext cx="4467960" cy="3564000"/>
+            <a:ext cx="4467600" cy="3563640"/>
             <a:chOff x="4571640" y="828000"/>
-            <a:chExt cx="4467960" cy="3564000"/>
+            <a:chExt cx="4467600" cy="3563640"/>
           </a:xfrm>
         </p:grpSpPr>
         <p:pic>
@@ -17888,7 +17888,7 @@
           <p:spPr>
             <a:xfrm>
               <a:off x="4571640" y="828000"/>
-              <a:ext cx="4467960" cy="3564000"/>
+              <a:ext cx="4467600" cy="3563640"/>
             </a:xfrm>
             <a:prstGeom prst="rect">
               <a:avLst/>
@@ -17906,8 +17906,8 @@
           </p:nvSpPr>
           <p:spPr>
             <a:xfrm rot="16200000">
-              <a:off x="5962680" y="1159200"/>
-              <a:ext cx="1737000" cy="2770920"/>
+              <a:off x="5962680" y="1159560"/>
+              <a:ext cx="1736640" cy="2770560"/>
             </a:xfrm>
             <a:prstGeom prst="roundRect">
               <a:avLst>
@@ -17974,7 +17974,7 @@
         <p:spPr>
           <a:xfrm>
             <a:off x="5446080" y="1672200"/>
-            <a:ext cx="2770560" cy="1737000"/>
+            <a:ext cx="2770200" cy="1736640"/>
           </a:xfrm>
           <a:prstGeom prst="rect">
             <a:avLst/>
@@ -18026,7 +18026,7 @@
         <p:spPr>
           <a:xfrm>
             <a:off x="586440" y="1246680"/>
-            <a:ext cx="4003920" cy="3599640"/>
+            <a:ext cx="4003560" cy="3599280"/>
           </a:xfrm>
           <a:prstGeom prst="rect">
             <a:avLst/>
@@ -18078,7 +18078,7 @@
         <p:spPr>
           <a:xfrm>
             <a:off x="586440" y="453960"/>
-            <a:ext cx="4763880" cy="855000"/>
+            <a:ext cx="4763520" cy="854640"/>
           </a:xfrm>
           <a:prstGeom prst="rect">
             <a:avLst/>
@@ -18167,7 +18167,7 @@
         <p:spPr>
           <a:xfrm rot="2745600">
             <a:off x="8349840" y="-668160"/>
-            <a:ext cx="1497960" cy="1497960"/>
+            <a:ext cx="1497600" cy="1497600"/>
           </a:xfrm>
           <a:prstGeom prst="roundRect">
             <a:avLst>
@@ -18205,7 +18205,7 @@
         <p:spPr>
           <a:xfrm rot="2745600">
             <a:off x="7634160" y="-322200"/>
-            <a:ext cx="806760" cy="807120"/>
+            <a:ext cx="806400" cy="806760"/>
           </a:xfrm>
           <a:prstGeom prst="roundRect">
             <a:avLst>
@@ -18244,7 +18244,7 @@
         <p:spPr>
           <a:xfrm>
             <a:off x="586440" y="899640"/>
-            <a:ext cx="7931520" cy="1536840"/>
+            <a:ext cx="7931160" cy="1536480"/>
           </a:xfrm>
           <a:prstGeom prst="rect">
             <a:avLst/>
@@ -18296,7 +18296,7 @@
         <p:spPr>
           <a:xfrm>
             <a:off x="608040" y="2545560"/>
-            <a:ext cx="3711960" cy="2255400"/>
+            <a:ext cx="3711600" cy="2255040"/>
           </a:xfrm>
           <a:prstGeom prst="rect">
             <a:avLst/>
@@ -18348,7 +18348,7 @@
         <p:spPr>
           <a:xfrm>
             <a:off x="4806360" y="2545560"/>
-            <a:ext cx="3711960" cy="2255400"/>
+            <a:ext cx="3711600" cy="2255040"/>
           </a:xfrm>
           <a:prstGeom prst="rect">
             <a:avLst/>
@@ -18400,7 +18400,7 @@
         <p:spPr>
           <a:xfrm>
             <a:off x="583200" y="450720"/>
-            <a:ext cx="7197840" cy="511920"/>
+            <a:ext cx="7197480" cy="511560"/>
           </a:xfrm>
           <a:prstGeom prst="rect">
             <a:avLst/>
@@ -18482,7 +18482,7 @@
         <p:spPr>
           <a:xfrm>
             <a:off x="586440" y="1246680"/>
-            <a:ext cx="4003920" cy="3599640"/>
+            <a:ext cx="4003560" cy="3599280"/>
           </a:xfrm>
           <a:prstGeom prst="rect">
             <a:avLst/>
@@ -18534,7 +18534,7 @@
         <p:spPr>
           <a:xfrm>
             <a:off x="559800" y="446040"/>
-            <a:ext cx="4283280" cy="683280"/>
+            <a:ext cx="4282920" cy="682920"/>
           </a:xfrm>
           <a:prstGeom prst="rect">
             <a:avLst/>
@@ -18586,7 +18586,7 @@
         <p:spPr>
           <a:xfrm>
             <a:off x="5097600" y="360"/>
-            <a:ext cx="4379400" cy="5143680"/>
+            <a:ext cx="4379040" cy="5143320"/>
           </a:xfrm>
           <a:prstGeom prst="roundRect">
             <a:avLst>
@@ -18651,8 +18651,8 @@
         </p:nvSpPr>
         <p:spPr>
           <a:xfrm rot="2744400">
-            <a:off x="-280800" y="-25560"/>
-            <a:ext cx="704160" cy="703800"/>
+            <a:off x="-280080" y="-25560"/>
+            <a:ext cx="703800" cy="703440"/>
           </a:xfrm>
           <a:prstGeom prst="roundRect">
             <a:avLst>
@@ -18689,8 +18689,8 @@
         </p:nvSpPr>
         <p:spPr>
           <a:xfrm rot="2625600">
-            <a:off x="4861080" y="4146840"/>
-            <a:ext cx="468000" cy="468000"/>
+            <a:off x="4861080" y="4146480"/>
+            <a:ext cx="467640" cy="467640"/>
           </a:xfrm>
           <a:prstGeom prst="roundRect">
             <a:avLst>
@@ -18764,8 +18764,8 @@
         </p:nvSpPr>
         <p:spPr>
           <a:xfrm rot="2744400">
-            <a:off x="-349920" y="4539960"/>
-            <a:ext cx="704160" cy="703800"/>
+            <a:off x="-349200" y="4539600"/>
+            <a:ext cx="703800" cy="703440"/>
           </a:xfrm>
           <a:prstGeom prst="roundRect">
             <a:avLst>
@@ -18802,8 +18802,8 @@
         </p:nvSpPr>
         <p:spPr>
           <a:xfrm rot="19228200">
-            <a:off x="5846040" y="-2266200"/>
-            <a:ext cx="4854960" cy="7725960"/>
+            <a:off x="5845680" y="-2265840"/>
+            <a:ext cx="4854600" cy="7725600"/>
           </a:xfrm>
           <a:prstGeom prst="roundRect">
             <a:avLst>
@@ -18841,9 +18841,9 @@
         <p:grpSpPr>
           <a:xfrm>
             <a:off x="4571640" y="828000"/>
-            <a:ext cx="4467960" cy="3564000"/>
+            <a:ext cx="4467600" cy="3563640"/>
             <a:chOff x="4571640" y="828000"/>
-            <a:chExt cx="4467960" cy="3564000"/>
+            <a:chExt cx="4467600" cy="3563640"/>
           </a:xfrm>
         </p:grpSpPr>
         <p:pic>
@@ -18859,7 +18859,7 @@
           <p:spPr>
             <a:xfrm>
               <a:off x="4571640" y="828000"/>
-              <a:ext cx="4467960" cy="3564000"/>
+              <a:ext cx="4467600" cy="3563640"/>
             </a:xfrm>
             <a:prstGeom prst="rect">
               <a:avLst/>
@@ -18877,8 +18877,8 @@
           </p:nvSpPr>
           <p:spPr>
             <a:xfrm rot="16200000">
-              <a:off x="5962680" y="1159200"/>
-              <a:ext cx="1737000" cy="2770920"/>
+              <a:off x="5962680" y="1159560"/>
+              <a:ext cx="1736640" cy="2770560"/>
             </a:xfrm>
             <a:prstGeom prst="roundRect">
               <a:avLst>
@@ -18945,7 +18945,7 @@
         <p:spPr>
           <a:xfrm>
             <a:off x="586440" y="1246680"/>
-            <a:ext cx="4003920" cy="3599640"/>
+            <a:ext cx="4003560" cy="3599280"/>
           </a:xfrm>
           <a:prstGeom prst="rect">
             <a:avLst/>
@@ -18997,7 +18997,7 @@
         <p:spPr>
           <a:xfrm>
             <a:off x="5446080" y="1672200"/>
-            <a:ext cx="2779920" cy="1737000"/>
+            <a:ext cx="2779560" cy="1736640"/>
           </a:xfrm>
           <a:prstGeom prst="rect">
             <a:avLst/>
@@ -19049,7 +19049,7 @@
         <p:spPr>
           <a:xfrm>
             <a:off x="586440" y="453960"/>
-            <a:ext cx="3696480" cy="855000"/>
+            <a:ext cx="3696120" cy="854640"/>
           </a:xfrm>
           <a:prstGeom prst="rect">
             <a:avLst/>
@@ -19138,7 +19138,7 @@
         <p:spPr>
           <a:xfrm>
             <a:off x="4222080" y="1246680"/>
-            <a:ext cx="4114800" cy="3599640"/>
+            <a:ext cx="4114440" cy="3599280"/>
           </a:xfrm>
           <a:prstGeom prst="rect">
             <a:avLst/>
@@ -19189,8 +19189,8 @@
         </p:nvSpPr>
         <p:spPr>
           <a:xfrm rot="16200000">
-            <a:off x="-2181600" y="1733760"/>
-            <a:ext cx="5143680" cy="1683720"/>
+            <a:off x="-2181600" y="1734120"/>
+            <a:ext cx="5143320" cy="1683360"/>
           </a:xfrm>
           <a:prstGeom prst="roundRect">
             <a:avLst>
@@ -19228,7 +19228,7 @@
         <p:spPr>
           <a:xfrm rot="2745000">
             <a:off x="8575200" y="103320"/>
-            <a:ext cx="1132200" cy="1131840"/>
+            <a:ext cx="1131840" cy="1131480"/>
           </a:xfrm>
           <a:prstGeom prst="roundRect">
             <a:avLst>
@@ -19265,8 +19265,8 @@
         </p:nvSpPr>
         <p:spPr>
           <a:xfrm rot="16200000">
-            <a:off x="614880" y="919080"/>
-            <a:ext cx="3231720" cy="3313440"/>
+            <a:off x="614880" y="919440"/>
+            <a:ext cx="3231360" cy="3313080"/>
           </a:xfrm>
           <a:prstGeom prst="roundRect">
             <a:avLst>
@@ -19332,7 +19332,7 @@
         <p:spPr>
           <a:xfrm>
             <a:off x="4214160" y="456120"/>
-            <a:ext cx="4111560" cy="855000"/>
+            <a:ext cx="4111200" cy="854640"/>
           </a:xfrm>
           <a:prstGeom prst="rect">
             <a:avLst/>
